--- a/study/ML_basic.pptx
+++ b/study/ML_basic.pptx
@@ -32,23 +32,25 @@
     <p:sldId id="403" r:id="rId26"/>
     <p:sldId id="405" r:id="rId27"/>
     <p:sldId id="406" r:id="rId28"/>
-    <p:sldId id="407" r:id="rId29"/>
-    <p:sldId id="410" r:id="rId30"/>
-    <p:sldId id="411" r:id="rId31"/>
-    <p:sldId id="412" r:id="rId32"/>
-    <p:sldId id="302" r:id="rId33"/>
+    <p:sldId id="413" r:id="rId29"/>
+    <p:sldId id="407" r:id="rId30"/>
+    <p:sldId id="416" r:id="rId31"/>
+    <p:sldId id="414" r:id="rId32"/>
+    <p:sldId id="415" r:id="rId33"/>
+    <p:sldId id="412" r:id="rId34"/>
+    <p:sldId id="302" r:id="rId35"/>
   </p:sldIdLst>
   <p:sldSz cx="9144000" cy="6858000" type="screen4x3"/>
   <p:notesSz cx="6858000" cy="9144000"/>
   <p:embeddedFontLst>
     <p:embeddedFont>
       <p:font typeface="나눔고딕 ExtraBold" panose="020D0904000000000000" pitchFamily="50" charset="-127"/>
-      <p:bold r:id="rId34"/>
+      <p:bold r:id="rId36"/>
     </p:embeddedFont>
     <p:embeddedFont>
       <p:font typeface="맑은 고딕" panose="020B0503020000020004" pitchFamily="50" charset="-127"/>
-      <p:regular r:id="rId35"/>
-      <p:bold r:id="rId36"/>
+      <p:regular r:id="rId37"/>
+      <p:bold r:id="rId38"/>
     </p:embeddedFont>
   </p:embeddedFontLst>
   <p:defaultTextStyle>
@@ -344,7 +346,7 @@
           <a:p>
             <a:fld id="{3A302466-FE76-40E8-BE5D-598A609EDD2B}" type="datetimeFigureOut">
               <a:rPr lang="ko-KR" altLang="en-US" smtClean="0"/>
-              <a:t>2022-04-22</a:t>
+              <a:t>2022-04-23</a:t>
             </a:fld>
             <a:endParaRPr lang="ko-KR" altLang="en-US"/>
           </a:p>
@@ -512,7 +514,7 @@
           <a:p>
             <a:fld id="{3A302466-FE76-40E8-BE5D-598A609EDD2B}" type="datetimeFigureOut">
               <a:rPr lang="ko-KR" altLang="en-US" smtClean="0"/>
-              <a:t>2022-04-22</a:t>
+              <a:t>2022-04-23</a:t>
             </a:fld>
             <a:endParaRPr lang="ko-KR" altLang="en-US"/>
           </a:p>
@@ -690,7 +692,7 @@
           <a:p>
             <a:fld id="{3A302466-FE76-40E8-BE5D-598A609EDD2B}" type="datetimeFigureOut">
               <a:rPr lang="ko-KR" altLang="en-US" smtClean="0"/>
-              <a:t>2022-04-22</a:t>
+              <a:t>2022-04-23</a:t>
             </a:fld>
             <a:endParaRPr lang="ko-KR" altLang="en-US"/>
           </a:p>
@@ -858,7 +860,7 @@
           <a:p>
             <a:fld id="{3A302466-FE76-40E8-BE5D-598A609EDD2B}" type="datetimeFigureOut">
               <a:rPr lang="ko-KR" altLang="en-US" smtClean="0"/>
-              <a:t>2022-04-22</a:t>
+              <a:t>2022-04-23</a:t>
             </a:fld>
             <a:endParaRPr lang="ko-KR" altLang="en-US"/>
           </a:p>
@@ -1103,7 +1105,7 @@
           <a:p>
             <a:fld id="{3A302466-FE76-40E8-BE5D-598A609EDD2B}" type="datetimeFigureOut">
               <a:rPr lang="ko-KR" altLang="en-US" smtClean="0"/>
-              <a:t>2022-04-22</a:t>
+              <a:t>2022-04-23</a:t>
             </a:fld>
             <a:endParaRPr lang="ko-KR" altLang="en-US"/>
           </a:p>
@@ -1388,7 +1390,7 @@
           <a:p>
             <a:fld id="{3A302466-FE76-40E8-BE5D-598A609EDD2B}" type="datetimeFigureOut">
               <a:rPr lang="ko-KR" altLang="en-US" smtClean="0"/>
-              <a:t>2022-04-22</a:t>
+              <a:t>2022-04-23</a:t>
             </a:fld>
             <a:endParaRPr lang="ko-KR" altLang="en-US"/>
           </a:p>
@@ -1807,7 +1809,7 @@
           <a:p>
             <a:fld id="{3A302466-FE76-40E8-BE5D-598A609EDD2B}" type="datetimeFigureOut">
               <a:rPr lang="ko-KR" altLang="en-US" smtClean="0"/>
-              <a:t>2022-04-22</a:t>
+              <a:t>2022-04-23</a:t>
             </a:fld>
             <a:endParaRPr lang="ko-KR" altLang="en-US"/>
           </a:p>
@@ -1924,7 +1926,7 @@
           <a:p>
             <a:fld id="{3A302466-FE76-40E8-BE5D-598A609EDD2B}" type="datetimeFigureOut">
               <a:rPr lang="ko-KR" altLang="en-US" smtClean="0"/>
-              <a:t>2022-04-22</a:t>
+              <a:t>2022-04-23</a:t>
             </a:fld>
             <a:endParaRPr lang="ko-KR" altLang="en-US"/>
           </a:p>
@@ -2019,7 +2021,7 @@
           <a:p>
             <a:fld id="{3A302466-FE76-40E8-BE5D-598A609EDD2B}" type="datetimeFigureOut">
               <a:rPr lang="ko-KR" altLang="en-US" smtClean="0"/>
-              <a:t>2022-04-22</a:t>
+              <a:t>2022-04-23</a:t>
             </a:fld>
             <a:endParaRPr lang="ko-KR" altLang="en-US"/>
           </a:p>
@@ -2294,7 +2296,7 @@
           <a:p>
             <a:fld id="{3A302466-FE76-40E8-BE5D-598A609EDD2B}" type="datetimeFigureOut">
               <a:rPr lang="ko-KR" altLang="en-US" smtClean="0"/>
-              <a:t>2022-04-22</a:t>
+              <a:t>2022-04-23</a:t>
             </a:fld>
             <a:endParaRPr lang="ko-KR" altLang="en-US"/>
           </a:p>
@@ -2546,7 +2548,7 @@
           <a:p>
             <a:fld id="{3A302466-FE76-40E8-BE5D-598A609EDD2B}" type="datetimeFigureOut">
               <a:rPr lang="ko-KR" altLang="en-US" smtClean="0"/>
-              <a:t>2022-04-22</a:t>
+              <a:t>2022-04-23</a:t>
             </a:fld>
             <a:endParaRPr lang="ko-KR" altLang="en-US"/>
           </a:p>
@@ -2760,7 +2762,7 @@
             <a:fld id="{3A302466-FE76-40E8-BE5D-598A609EDD2B}" type="datetimeFigureOut">
               <a:rPr lang="ko-KR" altLang="en-US" smtClean="0"/>
               <a:pPr/>
-              <a:t>2022-04-22</a:t>
+              <a:t>2022-04-23</a:t>
             </a:fld>
             <a:endParaRPr lang="ko-KR" altLang="en-US" dirty="0"/>
           </a:p>
@@ -3228,7 +3230,7 @@
         <p:spPr>
           <a:xfrm>
             <a:off x="3491880" y="2826136"/>
-            <a:ext cx="4408565" cy="1157240"/>
+            <a:ext cx="4408565" cy="787908"/>
           </a:xfrm>
           <a:prstGeom prst="rect">
             <a:avLst/>
@@ -3313,7 +3315,7 @@
                 <a:latin typeface="나눔고딕 ExtraBold" panose="020D0904000000000000" pitchFamily="50" charset="-127"/>
                 <a:ea typeface="나눔고딕 ExtraBold" panose="020D0904000000000000" pitchFamily="50" charset="-127"/>
               </a:rPr>
-              <a:t>??</a:t>
+              <a:t>?</a:t>
             </a:r>
           </a:p>
           <a:p>
@@ -3338,49 +3340,7 @@
                 <a:latin typeface="나눔고딕 ExtraBold" panose="020D0904000000000000" pitchFamily="50" charset="-127"/>
                 <a:ea typeface="나눔고딕 ExtraBold" panose="020D0904000000000000" pitchFamily="50" charset="-127"/>
               </a:rPr>
-              <a:t>그래서 어떻게 맞추는데</a:t>
-            </a:r>
-            <a:r>
-              <a:rPr lang="en-US" altLang="ko-KR" sz="1600" dirty="0">
-                <a:ln>
-                  <a:solidFill>
-                    <a:schemeClr val="tx1">
-                      <a:alpha val="30000"/>
-                    </a:schemeClr>
-                  </a:solidFill>
-                </a:ln>
-                <a:solidFill>
-                  <a:srgbClr val="272123"/>
-                </a:solidFill>
-                <a:latin typeface="나눔고딕 ExtraBold" panose="020D0904000000000000" pitchFamily="50" charset="-127"/>
-                <a:ea typeface="나눔고딕 ExtraBold" panose="020D0904000000000000" pitchFamily="50" charset="-127"/>
-              </a:rPr>
-              <a:t>?</a:t>
-            </a:r>
-          </a:p>
-          <a:p>
-            <a:pPr marL="342900" indent="-342900">
-              <a:lnSpc>
-                <a:spcPct val="150000"/>
-              </a:lnSpc>
-              <a:buAutoNum type="arabicPeriod"/>
-            </a:pPr>
-            <a:r>
-              <a:rPr lang="ko-KR" altLang="en-US" sz="1600" dirty="0">
-                <a:ln>
-                  <a:solidFill>
-                    <a:schemeClr val="tx1">
-                      <a:alpha val="30000"/>
-                    </a:schemeClr>
-                  </a:solidFill>
-                </a:ln>
-                <a:solidFill>
-                  <a:srgbClr val="272123"/>
-                </a:solidFill>
-                <a:latin typeface="나눔고딕 ExtraBold" panose="020D0904000000000000" pitchFamily="50" charset="-127"/>
-                <a:ea typeface="나눔고딕 ExtraBold" panose="020D0904000000000000" pitchFamily="50" charset="-127"/>
-              </a:rPr>
-              <a:t>메모리란 친구는 어떻게 생겼을까</a:t>
+              <a:t>그래서 값은 어떻게 맞추는데</a:t>
             </a:r>
             <a:r>
               <a:rPr lang="en-US" altLang="ko-KR" sz="1600" dirty="0">
@@ -19049,7 +19009,7 @@
                   <a:latin typeface="나눔고딕 ExtraBold" panose="020D0904000000000000" pitchFamily="50" charset="-127"/>
                   <a:ea typeface="나눔고딕 ExtraBold" panose="020D0904000000000000" pitchFamily="50" charset="-127"/>
                 </a:rPr>
-                <a:t>그러면 어떻게 맞추는데</a:t>
+                <a:t>그러면 값은 어떻게 맞추는데</a:t>
               </a:r>
               <a:r>
                 <a:rPr lang="en-US" altLang="ko-KR" sz="3000" b="1" dirty="0">
@@ -28534,8 +28494,8 @@
         </p:nvSpPr>
         <p:spPr>
           <a:xfrm>
-            <a:off x="1239209" y="2270299"/>
-            <a:ext cx="740503" cy="307777"/>
+            <a:off x="1322609" y="2270299"/>
+            <a:ext cx="657103" cy="307777"/>
           </a:xfrm>
           <a:prstGeom prst="rect">
             <a:avLst/>
@@ -28550,36 +28510,22 @@
           <a:p>
             <a:pPr algn="ctr"/>
             <a:r>
-              <a:rPr lang="ko-KR" altLang="en-US" sz="1400" dirty="0">
-                <a:ln>
-                  <a:solidFill>
-                    <a:schemeClr val="tx1">
-                      <a:alpha val="30000"/>
-                    </a:schemeClr>
-                  </a:solidFill>
-                </a:ln>
-                <a:solidFill>
-                  <a:srgbClr val="272123"/>
-                </a:solidFill>
-                <a:latin typeface="나눔고딕 ExtraBold" panose="020D0904000000000000" pitchFamily="50" charset="-127"/>
-                <a:ea typeface="나눔고딕 ExtraBold" panose="020D0904000000000000" pitchFamily="50" charset="-127"/>
-              </a:rPr>
-              <a:t>가격</a:t>
-            </a:r>
-            <a:endParaRPr lang="en-US" altLang="ko-KR" sz="1400" dirty="0">
-              <a:ln>
-                <a:solidFill>
-                  <a:schemeClr val="tx1">
-                    <a:alpha val="30000"/>
-                  </a:schemeClr>
-                </a:solidFill>
-              </a:ln>
-              <a:solidFill>
-                <a:srgbClr val="272123"/>
-              </a:solidFill>
-              <a:latin typeface="나눔고딕 ExtraBold" panose="020D0904000000000000" pitchFamily="50" charset="-127"/>
-              <a:ea typeface="나눔고딕 ExtraBold" panose="020D0904000000000000" pitchFamily="50" charset="-127"/>
-            </a:endParaRPr>
+              <a:rPr lang="en-US" altLang="ko-KR" sz="1400" dirty="0">
+                <a:ln>
+                  <a:solidFill>
+                    <a:schemeClr val="tx1">
+                      <a:alpha val="30000"/>
+                    </a:schemeClr>
+                  </a:solidFill>
+                </a:ln>
+                <a:solidFill>
+                  <a:srgbClr val="272123"/>
+                </a:solidFill>
+                <a:latin typeface="나눔고딕 ExtraBold" panose="020D0904000000000000" pitchFamily="50" charset="-127"/>
+                <a:ea typeface="나눔고딕 ExtraBold" panose="020D0904000000000000" pitchFamily="50" charset="-127"/>
+              </a:rPr>
+              <a:t>y</a:t>
+            </a:r>
           </a:p>
         </p:txBody>
       </p:sp>
@@ -28598,7 +28544,7 @@
         <p:spPr>
           <a:xfrm>
             <a:off x="7722774" y="5480858"/>
-            <a:ext cx="737656" cy="307777"/>
+            <a:ext cx="657103" cy="307777"/>
           </a:xfrm>
           <a:prstGeom prst="rect">
             <a:avLst/>
@@ -28613,23 +28559,106 @@
           <a:p>
             <a:pPr algn="ctr"/>
             <a:r>
-              <a:rPr lang="ko-KR" altLang="en-US" sz="1400" dirty="0" err="1">
-                <a:ln>
-                  <a:solidFill>
-                    <a:schemeClr val="tx1">
-                      <a:alpha val="30000"/>
-                    </a:schemeClr>
-                  </a:solidFill>
-                </a:ln>
-                <a:solidFill>
-                  <a:srgbClr val="272123"/>
-                </a:solidFill>
-                <a:latin typeface="나눔고딕 ExtraBold" panose="020D0904000000000000" pitchFamily="50" charset="-127"/>
-                <a:ea typeface="나눔고딕 ExtraBold" panose="020D0904000000000000" pitchFamily="50" charset="-127"/>
-              </a:rPr>
-              <a:t>범죄율</a:t>
-            </a:r>
-            <a:endParaRPr lang="en-US" altLang="ko-KR" sz="1400" dirty="0">
+              <a:rPr lang="en-US" altLang="ko-KR" sz="1400" dirty="0">
+                <a:ln>
+                  <a:solidFill>
+                    <a:schemeClr val="tx1">
+                      <a:alpha val="30000"/>
+                    </a:schemeClr>
+                  </a:solidFill>
+                </a:ln>
+                <a:solidFill>
+                  <a:srgbClr val="272123"/>
+                </a:solidFill>
+                <a:latin typeface="나눔고딕 ExtraBold" panose="020D0904000000000000" pitchFamily="50" charset="-127"/>
+                <a:ea typeface="나눔고딕 ExtraBold" panose="020D0904000000000000" pitchFamily="50" charset="-127"/>
+              </a:rPr>
+              <a:t>x</a:t>
+            </a:r>
+          </a:p>
+        </p:txBody>
+      </p:sp>
+      <p:sp>
+        <p:nvSpPr>
+          <p:cNvPr id="22" name="TextBox 21">
+            <a:extLst>
+              <a:ext uri="{FF2B5EF4-FFF2-40B4-BE49-F238E27FC236}">
+                <a16:creationId xmlns:a16="http://schemas.microsoft.com/office/drawing/2014/main" id="{57E1295E-85A2-45CF-B0C2-68D2AA80EDB7}"/>
+              </a:ext>
+            </a:extLst>
+          </p:cNvPr>
+          <p:cNvSpPr txBox="1"/>
+          <p:nvPr/>
+        </p:nvSpPr>
+        <p:spPr>
+          <a:xfrm>
+            <a:off x="1884760" y="860182"/>
+            <a:ext cx="5950537" cy="553998"/>
+          </a:xfrm>
+          <a:prstGeom prst="rect">
+            <a:avLst/>
+          </a:prstGeom>
+          <a:noFill/>
+        </p:spPr>
+        <p:txBody>
+          <a:bodyPr wrap="square" rtlCol="0">
+            <a:spAutoFit/>
+          </a:bodyPr>
+          <a:lstStyle/>
+          <a:p>
+            <a:pPr algn="ctr"/>
+            <a:r>
+              <a:rPr lang="ko-KR" altLang="en-US" sz="3000" dirty="0">
+                <a:ln>
+                  <a:solidFill>
+                    <a:schemeClr val="tx1">
+                      <a:alpha val="30000"/>
+                    </a:schemeClr>
+                  </a:solidFill>
+                </a:ln>
+                <a:solidFill>
+                  <a:srgbClr val="272123"/>
+                </a:solidFill>
+                <a:latin typeface="나눔고딕 ExtraBold" panose="020D0904000000000000" pitchFamily="50" charset="-127"/>
+                <a:ea typeface="나눔고딕 ExtraBold" panose="020D0904000000000000" pitchFamily="50" charset="-127"/>
+              </a:rPr>
+              <a:t>수학 </a:t>
+            </a:r>
+            <a:r>
+              <a:rPr lang="en-US" altLang="ko-KR" sz="3000" dirty="0">
+                <a:ln>
+                  <a:solidFill>
+                    <a:schemeClr val="tx1">
+                      <a:alpha val="30000"/>
+                    </a:schemeClr>
+                  </a:solidFill>
+                </a:ln>
+                <a:solidFill>
+                  <a:srgbClr val="272123"/>
+                </a:solidFill>
+                <a:latin typeface="나눔고딕 ExtraBold" panose="020D0904000000000000" pitchFamily="50" charset="-127"/>
+                <a:ea typeface="나눔고딕 ExtraBold" panose="020D0904000000000000" pitchFamily="50" charset="-127"/>
+              </a:rPr>
+              <a:t>1 :</a:t>
+            </a:r>
+            <a:r>
+              <a:rPr lang="ko-KR" altLang="en-US" sz="3000" dirty="0">
+                <a:ln>
+                  <a:solidFill>
+                    <a:schemeClr val="tx1">
+                      <a:alpha val="30000"/>
+                    </a:schemeClr>
+                  </a:solidFill>
+                </a:ln>
+                <a:solidFill>
+                  <a:srgbClr val="272123"/>
+                </a:solidFill>
+                <a:latin typeface="나눔고딕 ExtraBold" panose="020D0904000000000000" pitchFamily="50" charset="-127"/>
+                <a:ea typeface="나눔고딕 ExtraBold" panose="020D0904000000000000" pitchFamily="50" charset="-127"/>
+              </a:rPr>
+              <a:t> 일차 함수</a:t>
+            </a:r>
+            <a:endParaRPr lang="en-US" altLang="ko-KR" sz="3000" dirty="0">
               <a:ln>
                 <a:solidFill>
                   <a:schemeClr val="tx1">
@@ -28648,10 +28677,10 @@
       </p:sp>
       <p:sp>
         <p:nvSpPr>
-          <p:cNvPr id="22" name="TextBox 21">
+          <p:cNvPr id="16" name="TextBox 15">
             <a:extLst>
               <a:ext uri="{FF2B5EF4-FFF2-40B4-BE49-F238E27FC236}">
-                <a16:creationId xmlns:a16="http://schemas.microsoft.com/office/drawing/2014/main" id="{33D010A5-8B1B-4472-90F1-B5BF5FE361C9}"/>
+                <a16:creationId xmlns:a16="http://schemas.microsoft.com/office/drawing/2014/main" id="{D4C6A2DC-F016-41C3-B0E3-36C541C9A020}"/>
               </a:ext>
             </a:extLst>
           </p:cNvPr>
@@ -28660,8 +28689,8 @@
         </p:nvSpPr>
         <p:spPr>
           <a:xfrm>
-            <a:off x="4027418" y="1069365"/>
-            <a:ext cx="6066747" cy="1169551"/>
+            <a:off x="1884760" y="1352842"/>
+            <a:ext cx="5950537" cy="400110"/>
           </a:xfrm>
           <a:prstGeom prst="rect">
             <a:avLst/>
@@ -28676,729 +28705,65 @@
           <a:p>
             <a:pPr algn="ctr"/>
             <a:r>
-              <a:rPr lang="en-US" altLang="ko-KR" sz="1400" dirty="0">
-                <a:ln>
-                  <a:solidFill>
-                    <a:schemeClr val="tx1">
-                      <a:alpha val="30000"/>
-                    </a:schemeClr>
-                  </a:solidFill>
-                </a:ln>
-                <a:solidFill>
-                  <a:srgbClr val="272123"/>
-                </a:solidFill>
-                <a:latin typeface="나눔고딕 ExtraBold" panose="020D0904000000000000" pitchFamily="50" charset="-127"/>
-                <a:ea typeface="나눔고딕 ExtraBold" panose="020D0904000000000000" pitchFamily="50" charset="-127"/>
-              </a:rPr>
-              <a:t>Long </a:t>
-            </a:r>
-            <a:r>
-              <a:rPr lang="en-US" altLang="ko-KR" sz="1400" dirty="0" err="1">
-                <a:ln>
-                  <a:solidFill>
-                    <a:schemeClr val="tx1">
-                      <a:alpha val="30000"/>
-                    </a:schemeClr>
-                  </a:solidFill>
-                </a:ln>
-                <a:solidFill>
-                  <a:srgbClr val="272123"/>
-                </a:solidFill>
-                <a:latin typeface="나눔고딕 ExtraBold" panose="020D0904000000000000" pitchFamily="50" charset="-127"/>
-                <a:ea typeface="나눔고딕 ExtraBold" panose="020D0904000000000000" pitchFamily="50" charset="-127"/>
-              </a:rPr>
-              <a:t>housePrice</a:t>
-            </a:r>
-            <a:r>
-              <a:rPr lang="en-US" altLang="ko-KR" sz="1400" dirty="0">
-                <a:ln>
-                  <a:solidFill>
-                    <a:schemeClr val="tx1">
-                      <a:alpha val="30000"/>
-                    </a:schemeClr>
-                  </a:solidFill>
-                </a:ln>
-                <a:solidFill>
-                  <a:srgbClr val="272123"/>
-                </a:solidFill>
-                <a:latin typeface="나눔고딕 ExtraBold" panose="020D0904000000000000" pitchFamily="50" charset="-127"/>
-                <a:ea typeface="나눔고딕 ExtraBold" panose="020D0904000000000000" pitchFamily="50" charset="-127"/>
-              </a:rPr>
-              <a:t> =</a:t>
-            </a:r>
-          </a:p>
-          <a:p>
-            <a:pPr algn="ctr"/>
-            <a:r>
-              <a:rPr lang="en-US" altLang="ko-KR" sz="1400" dirty="0">
-                <a:ln>
-                  <a:solidFill>
-                    <a:schemeClr val="tx1">
-                      <a:alpha val="30000"/>
-                    </a:schemeClr>
-                  </a:solidFill>
-                </a:ln>
-                <a:solidFill>
-                  <a:srgbClr val="272123"/>
-                </a:solidFill>
-                <a:latin typeface="나눔고딕 ExtraBold" panose="020D0904000000000000" pitchFamily="50" charset="-127"/>
-                <a:ea typeface="나눔고딕 ExtraBold" panose="020D0904000000000000" pitchFamily="50" charset="-127"/>
-              </a:rPr>
-              <a:t> 100000000 (1</a:t>
-            </a:r>
-            <a:r>
-              <a:rPr lang="ko-KR" altLang="en-US" sz="1400" dirty="0">
-                <a:ln>
-                  <a:solidFill>
-                    <a:schemeClr val="tx1">
-                      <a:alpha val="30000"/>
-                    </a:schemeClr>
-                  </a:solidFill>
-                </a:ln>
-                <a:solidFill>
-                  <a:srgbClr val="272123"/>
-                </a:solidFill>
-                <a:latin typeface="나눔고딕 ExtraBold" panose="020D0904000000000000" pitchFamily="50" charset="-127"/>
-                <a:ea typeface="나눔고딕 ExtraBold" panose="020D0904000000000000" pitchFamily="50" charset="-127"/>
-              </a:rPr>
-              <a:t>억</a:t>
-            </a:r>
-            <a:r>
-              <a:rPr lang="en-US" altLang="ko-KR" sz="1400" dirty="0">
-                <a:ln>
-                  <a:solidFill>
-                    <a:schemeClr val="tx1">
-                      <a:alpha val="30000"/>
-                    </a:schemeClr>
-                  </a:solidFill>
-                </a:ln>
-                <a:solidFill>
-                  <a:srgbClr val="272123"/>
-                </a:solidFill>
-                <a:latin typeface="나눔고딕 ExtraBold" panose="020D0904000000000000" pitchFamily="50" charset="-127"/>
-                <a:ea typeface="나눔고딕 ExtraBold" panose="020D0904000000000000" pitchFamily="50" charset="-127"/>
-              </a:rPr>
-              <a:t>)</a:t>
-            </a:r>
-          </a:p>
-          <a:p>
-            <a:pPr algn="ctr"/>
-            <a:r>
-              <a:rPr lang="en-US" altLang="ko-KR" sz="1400" dirty="0">
-                <a:ln>
-                  <a:solidFill>
-                    <a:schemeClr val="tx1">
-                      <a:alpha val="30000"/>
-                    </a:schemeClr>
-                  </a:solidFill>
-                </a:ln>
-                <a:solidFill>
-                  <a:srgbClr val="272123"/>
-                </a:solidFill>
-                <a:latin typeface="나눔고딕 ExtraBold" panose="020D0904000000000000" pitchFamily="50" charset="-127"/>
-                <a:ea typeface="나눔고딕 ExtraBold" panose="020D0904000000000000" pitchFamily="50" charset="-127"/>
-              </a:rPr>
-              <a:t>- </a:t>
-            </a:r>
-            <a:r>
-              <a:rPr lang="ko-KR" altLang="en-US" sz="1400" dirty="0" err="1">
-                <a:ln>
-                  <a:solidFill>
-                    <a:schemeClr val="tx1">
-                      <a:alpha val="30000"/>
-                    </a:schemeClr>
-                  </a:solidFill>
-                </a:ln>
-                <a:solidFill>
-                  <a:srgbClr val="272123"/>
-                </a:solidFill>
-                <a:latin typeface="나눔고딕 ExtraBold" panose="020D0904000000000000" pitchFamily="50" charset="-127"/>
-                <a:ea typeface="나눔고딕 ExtraBold" panose="020D0904000000000000" pitchFamily="50" charset="-127"/>
-              </a:rPr>
-              <a:t>범죄율</a:t>
-            </a:r>
-            <a:r>
-              <a:rPr lang="ko-KR" altLang="en-US" sz="1400" dirty="0">
-                <a:ln>
-                  <a:solidFill>
-                    <a:schemeClr val="tx1">
-                      <a:alpha val="30000"/>
-                    </a:schemeClr>
-                  </a:solidFill>
-                </a:ln>
-                <a:solidFill>
-                  <a:srgbClr val="272123"/>
-                </a:solidFill>
-                <a:latin typeface="나눔고딕 ExtraBold" panose="020D0904000000000000" pitchFamily="50" charset="-127"/>
-                <a:ea typeface="나눔고딕 ExtraBold" panose="020D0904000000000000" pitchFamily="50" charset="-127"/>
-              </a:rPr>
-              <a:t> </a:t>
-            </a:r>
-            <a:r>
-              <a:rPr lang="en-US" altLang="ko-KR" sz="1400" dirty="0">
-                <a:ln>
-                  <a:solidFill>
-                    <a:schemeClr val="tx1">
-                      <a:alpha val="30000"/>
-                    </a:schemeClr>
-                  </a:solidFill>
-                </a:ln>
-                <a:solidFill>
-                  <a:srgbClr val="272123"/>
-                </a:solidFill>
-                <a:latin typeface="나눔고딕 ExtraBold" panose="020D0904000000000000" pitchFamily="50" charset="-127"/>
-                <a:ea typeface="나눔고딕 ExtraBold" panose="020D0904000000000000" pitchFamily="50" charset="-127"/>
-              </a:rPr>
-              <a:t>* </a:t>
-            </a:r>
-            <a:r>
-              <a:rPr lang="en-US" altLang="ko-KR" sz="1400" dirty="0">
-                <a:ln>
-                  <a:solidFill>
-                    <a:schemeClr val="tx1">
-                      <a:alpha val="30000"/>
-                    </a:schemeClr>
-                  </a:solidFill>
-                </a:ln>
-                <a:solidFill>
-                  <a:srgbClr val="FF0000"/>
-                </a:solidFill>
-                <a:latin typeface="나눔고딕 ExtraBold" panose="020D0904000000000000" pitchFamily="50" charset="-127"/>
-                <a:ea typeface="나눔고딕 ExtraBold" panose="020D0904000000000000" pitchFamily="50" charset="-127"/>
-              </a:rPr>
-              <a:t>2534</a:t>
-            </a:r>
-            <a:r>
-              <a:rPr lang="ko-KR" altLang="en-US" sz="1400" dirty="0">
-                <a:ln>
-                  <a:solidFill>
-                    <a:schemeClr val="tx1">
-                      <a:alpha val="30000"/>
-                    </a:schemeClr>
-                  </a:solidFill>
-                </a:ln>
-                <a:solidFill>
-                  <a:srgbClr val="FF0000"/>
-                </a:solidFill>
-                <a:latin typeface="나눔고딕 ExtraBold" panose="020D0904000000000000" pitchFamily="50" charset="-127"/>
-                <a:ea typeface="나눔고딕 ExtraBold" panose="020D0904000000000000" pitchFamily="50" charset="-127"/>
-              </a:rPr>
-              <a:t>만원</a:t>
-            </a:r>
-            <a:endParaRPr lang="en-US" altLang="ko-KR" sz="1400" dirty="0">
-              <a:ln>
-                <a:solidFill>
-                  <a:schemeClr val="tx1">
-                    <a:alpha val="30000"/>
-                  </a:schemeClr>
-                </a:solidFill>
-              </a:ln>
-              <a:solidFill>
-                <a:srgbClr val="272123"/>
-              </a:solidFill>
-              <a:latin typeface="나눔고딕 ExtraBold" panose="020D0904000000000000" pitchFamily="50" charset="-127"/>
-              <a:ea typeface="나눔고딕 ExtraBold" panose="020D0904000000000000" pitchFamily="50" charset="-127"/>
-            </a:endParaRPr>
-          </a:p>
-          <a:p>
-            <a:pPr algn="ctr"/>
-            <a:endParaRPr lang="en-US" altLang="ko-KR" sz="1400" dirty="0">
-              <a:ln>
-                <a:solidFill>
-                  <a:schemeClr val="tx1">
-                    <a:alpha val="30000"/>
-                  </a:schemeClr>
-                </a:solidFill>
-              </a:ln>
-              <a:solidFill>
-                <a:srgbClr val="272123"/>
-              </a:solidFill>
-              <a:latin typeface="나눔고딕 ExtraBold" panose="020D0904000000000000" pitchFamily="50" charset="-127"/>
-              <a:ea typeface="나눔고딕 ExtraBold" panose="020D0904000000000000" pitchFamily="50" charset="-127"/>
-            </a:endParaRPr>
-          </a:p>
-          <a:p>
-            <a:pPr algn="ctr"/>
-            <a:r>
-              <a:rPr lang="en-US" altLang="ko-KR" sz="1400" dirty="0">
-                <a:ln>
-                  <a:solidFill>
-                    <a:schemeClr val="tx1">
-                      <a:alpha val="30000"/>
-                    </a:schemeClr>
-                  </a:solidFill>
-                </a:ln>
-                <a:solidFill>
-                  <a:srgbClr val="272123"/>
-                </a:solidFill>
-                <a:latin typeface="나눔고딕 ExtraBold" panose="020D0904000000000000" pitchFamily="50" charset="-127"/>
-                <a:ea typeface="나눔고딕 ExtraBold" panose="020D0904000000000000" pitchFamily="50" charset="-127"/>
-              </a:rPr>
-              <a:t>Print(</a:t>
-            </a:r>
-            <a:r>
-              <a:rPr lang="en-US" altLang="ko-KR" sz="1400" dirty="0" err="1">
-                <a:ln>
-                  <a:solidFill>
-                    <a:schemeClr val="tx1">
-                      <a:alpha val="30000"/>
-                    </a:schemeClr>
-                  </a:solidFill>
-                </a:ln>
-                <a:solidFill>
-                  <a:srgbClr val="272123"/>
-                </a:solidFill>
-                <a:latin typeface="나눔고딕 ExtraBold" panose="020D0904000000000000" pitchFamily="50" charset="-127"/>
-                <a:ea typeface="나눔고딕 ExtraBold" panose="020D0904000000000000" pitchFamily="50" charset="-127"/>
-              </a:rPr>
-              <a:t>housePrice</a:t>
-            </a:r>
-            <a:r>
-              <a:rPr lang="en-US" altLang="ko-KR" sz="1400" dirty="0">
-                <a:ln>
-                  <a:solidFill>
-                    <a:schemeClr val="tx1">
-                      <a:alpha val="30000"/>
-                    </a:schemeClr>
-                  </a:solidFill>
-                </a:ln>
-                <a:solidFill>
-                  <a:srgbClr val="272123"/>
-                </a:solidFill>
-                <a:latin typeface="나눔고딕 ExtraBold" panose="020D0904000000000000" pitchFamily="50" charset="-127"/>
-                <a:ea typeface="나눔고딕 ExtraBold" panose="020D0904000000000000" pitchFamily="50" charset="-127"/>
-              </a:rPr>
-              <a:t>)</a:t>
-            </a:r>
-          </a:p>
-        </p:txBody>
-      </p:sp>
-      <p:sp>
-        <p:nvSpPr>
-          <p:cNvPr id="26" name="직사각형 25">
+              <a:rPr lang="en-US" altLang="ko-KR" sz="2000" dirty="0">
+                <a:ln>
+                  <a:solidFill>
+                    <a:schemeClr val="tx1">
+                      <a:alpha val="30000"/>
+                    </a:schemeClr>
+                  </a:solidFill>
+                </a:ln>
+                <a:solidFill>
+                  <a:srgbClr val="272123"/>
+                </a:solidFill>
+                <a:latin typeface="나눔고딕 ExtraBold" panose="020D0904000000000000" pitchFamily="50" charset="-127"/>
+                <a:ea typeface="나눔고딕 ExtraBold" panose="020D0904000000000000" pitchFamily="50" charset="-127"/>
+              </a:rPr>
+              <a:t>y = ax + b (</a:t>
+            </a:r>
+            <a:r>
+              <a:rPr lang="ko-KR" altLang="en-US" sz="2000" dirty="0">
+                <a:ln>
+                  <a:solidFill>
+                    <a:schemeClr val="tx1">
+                      <a:alpha val="30000"/>
+                    </a:schemeClr>
+                  </a:solidFill>
+                </a:ln>
+                <a:solidFill>
+                  <a:srgbClr val="272123"/>
+                </a:solidFill>
+                <a:latin typeface="나눔고딕 ExtraBold" panose="020D0904000000000000" pitchFamily="50" charset="-127"/>
+                <a:ea typeface="나눔고딕 ExtraBold" panose="020D0904000000000000" pitchFamily="50" charset="-127"/>
+              </a:rPr>
+              <a:t>혹은 </a:t>
+            </a:r>
+            <a:r>
+              <a:rPr lang="en-US" altLang="ko-KR" sz="2000" dirty="0">
+                <a:ln>
+                  <a:solidFill>
+                    <a:schemeClr val="tx1">
+                      <a:alpha val="30000"/>
+                    </a:schemeClr>
+                  </a:solidFill>
+                </a:ln>
+                <a:solidFill>
+                  <a:srgbClr val="272123"/>
+                </a:solidFill>
+                <a:latin typeface="나눔고딕 ExtraBold" panose="020D0904000000000000" pitchFamily="50" charset="-127"/>
+                <a:ea typeface="나눔고딕 ExtraBold" panose="020D0904000000000000" pitchFamily="50" charset="-127"/>
+              </a:rPr>
+              <a:t>f(x) = ax + b)</a:t>
+            </a:r>
+          </a:p>
+        </p:txBody>
+      </p:sp>
+      <p:cxnSp>
+        <p:nvCxnSpPr>
+          <p:cNvPr id="19" name="직선 연결선 18">
             <a:extLst>
               <a:ext uri="{FF2B5EF4-FFF2-40B4-BE49-F238E27FC236}">
-                <a16:creationId xmlns:a16="http://schemas.microsoft.com/office/drawing/2014/main" id="{B96D63B7-E393-488B-8BAC-AC31E7A9D79F}"/>
-              </a:ext>
-            </a:extLst>
-          </p:cNvPr>
-          <p:cNvSpPr/>
-          <p:nvPr/>
-        </p:nvSpPr>
-        <p:spPr>
-          <a:xfrm>
-            <a:off x="5503592" y="825968"/>
-            <a:ext cx="3249393" cy="1810942"/>
-          </a:xfrm>
-          <a:prstGeom prst="rect">
-            <a:avLst/>
-          </a:prstGeom>
-          <a:noFill/>
-          <a:ln w="76200">
-            <a:solidFill>
-              <a:schemeClr val="tx1"/>
-            </a:solidFill>
-          </a:ln>
-        </p:spPr>
-        <p:style>
-          <a:lnRef idx="2">
-            <a:schemeClr val="accent1">
-              <a:shade val="50000"/>
-            </a:schemeClr>
-          </a:lnRef>
-          <a:fillRef idx="1">
-            <a:schemeClr val="accent1"/>
-          </a:fillRef>
-          <a:effectRef idx="0">
-            <a:schemeClr val="accent1"/>
-          </a:effectRef>
-          <a:fontRef idx="minor">
-            <a:schemeClr val="lt1"/>
-          </a:fontRef>
-        </p:style>
-        <p:txBody>
-          <a:bodyPr rtlCol="0" anchor="ctr"/>
-          <a:lstStyle/>
-          <a:p>
-            <a:pPr algn="ctr"/>
-            <a:endParaRPr lang="ko-KR" altLang="en-US"/>
-          </a:p>
-        </p:txBody>
-      </p:sp>
-      <p:sp>
-        <p:nvSpPr>
-          <p:cNvPr id="2" name="타원 1">
-            <a:extLst>
-              <a:ext uri="{FF2B5EF4-FFF2-40B4-BE49-F238E27FC236}">
-                <a16:creationId xmlns:a16="http://schemas.microsoft.com/office/drawing/2014/main" id="{6FD2FCEC-04D2-4A0F-A9F8-A9874343A191}"/>
-              </a:ext>
-            </a:extLst>
-          </p:cNvPr>
-          <p:cNvSpPr/>
-          <p:nvPr/>
-        </p:nvSpPr>
-        <p:spPr>
-          <a:xfrm>
-            <a:off x="2667093" y="2621250"/>
-            <a:ext cx="71997" cy="45719"/>
-          </a:xfrm>
-          <a:prstGeom prst="ellipse">
-            <a:avLst/>
-          </a:prstGeom>
-        </p:spPr>
-        <p:style>
-          <a:lnRef idx="2">
-            <a:schemeClr val="accent1">
-              <a:shade val="50000"/>
-            </a:schemeClr>
-          </a:lnRef>
-          <a:fillRef idx="1">
-            <a:schemeClr val="accent1"/>
-          </a:fillRef>
-          <a:effectRef idx="0">
-            <a:schemeClr val="accent1"/>
-          </a:effectRef>
-          <a:fontRef idx="minor">
-            <a:schemeClr val="lt1"/>
-          </a:fontRef>
-        </p:style>
-        <p:txBody>
-          <a:bodyPr rtlCol="0" anchor="ctr"/>
-          <a:lstStyle/>
-          <a:p>
-            <a:pPr algn="ctr"/>
-            <a:endParaRPr lang="ko-KR" altLang="en-US"/>
-          </a:p>
-        </p:txBody>
-      </p:sp>
-      <p:sp>
-        <p:nvSpPr>
-          <p:cNvPr id="30" name="타원 29">
-            <a:extLst>
-              <a:ext uri="{FF2B5EF4-FFF2-40B4-BE49-F238E27FC236}">
-                <a16:creationId xmlns:a16="http://schemas.microsoft.com/office/drawing/2014/main" id="{E70E412D-C220-46C6-90FD-74260663C6CD}"/>
-              </a:ext>
-            </a:extLst>
-          </p:cNvPr>
-          <p:cNvSpPr/>
-          <p:nvPr/>
-        </p:nvSpPr>
-        <p:spPr>
-          <a:xfrm>
-            <a:off x="2783600" y="3712218"/>
-            <a:ext cx="71997" cy="45719"/>
-          </a:xfrm>
-          <a:prstGeom prst="ellipse">
-            <a:avLst/>
-          </a:prstGeom>
-        </p:spPr>
-        <p:style>
-          <a:lnRef idx="2">
-            <a:schemeClr val="accent1">
-              <a:shade val="50000"/>
-            </a:schemeClr>
-          </a:lnRef>
-          <a:fillRef idx="1">
-            <a:schemeClr val="accent1"/>
-          </a:fillRef>
-          <a:effectRef idx="0">
-            <a:schemeClr val="accent1"/>
-          </a:effectRef>
-          <a:fontRef idx="minor">
-            <a:schemeClr val="lt1"/>
-          </a:fontRef>
-        </p:style>
-        <p:txBody>
-          <a:bodyPr rtlCol="0" anchor="ctr"/>
-          <a:lstStyle/>
-          <a:p>
-            <a:pPr algn="ctr"/>
-            <a:endParaRPr lang="ko-KR" altLang="en-US"/>
-          </a:p>
-        </p:txBody>
-      </p:sp>
-      <p:sp>
-        <p:nvSpPr>
-          <p:cNvPr id="31" name="타원 30">
-            <a:extLst>
-              <a:ext uri="{FF2B5EF4-FFF2-40B4-BE49-F238E27FC236}">
-                <a16:creationId xmlns:a16="http://schemas.microsoft.com/office/drawing/2014/main" id="{CECD7FCA-80C8-46DD-A6D5-FD30C337C69F}"/>
-              </a:ext>
-            </a:extLst>
-          </p:cNvPr>
-          <p:cNvSpPr/>
-          <p:nvPr/>
-        </p:nvSpPr>
-        <p:spPr>
-          <a:xfrm>
-            <a:off x="4342915" y="3458867"/>
-            <a:ext cx="71997" cy="45719"/>
-          </a:xfrm>
-          <a:prstGeom prst="ellipse">
-            <a:avLst/>
-          </a:prstGeom>
-        </p:spPr>
-        <p:style>
-          <a:lnRef idx="2">
-            <a:schemeClr val="accent1">
-              <a:shade val="50000"/>
-            </a:schemeClr>
-          </a:lnRef>
-          <a:fillRef idx="1">
-            <a:schemeClr val="accent1"/>
-          </a:fillRef>
-          <a:effectRef idx="0">
-            <a:schemeClr val="accent1"/>
-          </a:effectRef>
-          <a:fontRef idx="minor">
-            <a:schemeClr val="lt1"/>
-          </a:fontRef>
-        </p:style>
-        <p:txBody>
-          <a:bodyPr rtlCol="0" anchor="ctr"/>
-          <a:lstStyle/>
-          <a:p>
-            <a:pPr algn="ctr"/>
-            <a:endParaRPr lang="ko-KR" altLang="en-US"/>
-          </a:p>
-        </p:txBody>
-      </p:sp>
-      <p:sp>
-        <p:nvSpPr>
-          <p:cNvPr id="32" name="타원 31">
-            <a:extLst>
-              <a:ext uri="{FF2B5EF4-FFF2-40B4-BE49-F238E27FC236}">
-                <a16:creationId xmlns:a16="http://schemas.microsoft.com/office/drawing/2014/main" id="{0B506574-C261-43FC-AF32-6D0E22EC23AD}"/>
-              </a:ext>
-            </a:extLst>
-          </p:cNvPr>
-          <p:cNvSpPr/>
-          <p:nvPr/>
-        </p:nvSpPr>
-        <p:spPr>
-          <a:xfrm>
-            <a:off x="5184713" y="4271256"/>
-            <a:ext cx="71997" cy="45719"/>
-          </a:xfrm>
-          <a:prstGeom prst="ellipse">
-            <a:avLst/>
-          </a:prstGeom>
-        </p:spPr>
-        <p:style>
-          <a:lnRef idx="2">
-            <a:schemeClr val="accent1">
-              <a:shade val="50000"/>
-            </a:schemeClr>
-          </a:lnRef>
-          <a:fillRef idx="1">
-            <a:schemeClr val="accent1"/>
-          </a:fillRef>
-          <a:effectRef idx="0">
-            <a:schemeClr val="accent1"/>
-          </a:effectRef>
-          <a:fontRef idx="minor">
-            <a:schemeClr val="lt1"/>
-          </a:fontRef>
-        </p:style>
-        <p:txBody>
-          <a:bodyPr rtlCol="0" anchor="ctr"/>
-          <a:lstStyle/>
-          <a:p>
-            <a:pPr algn="ctr"/>
-            <a:endParaRPr lang="ko-KR" altLang="en-US"/>
-          </a:p>
-        </p:txBody>
-      </p:sp>
-      <p:sp>
-        <p:nvSpPr>
-          <p:cNvPr id="33" name="타원 32">
-            <a:extLst>
-              <a:ext uri="{FF2B5EF4-FFF2-40B4-BE49-F238E27FC236}">
-                <a16:creationId xmlns:a16="http://schemas.microsoft.com/office/drawing/2014/main" id="{5577E9C9-60CF-4BE9-BC95-51E6BF46530D}"/>
-              </a:ext>
-            </a:extLst>
-          </p:cNvPr>
-          <p:cNvSpPr/>
-          <p:nvPr/>
-        </p:nvSpPr>
-        <p:spPr>
-          <a:xfrm>
-            <a:off x="6192825" y="3897947"/>
-            <a:ext cx="71997" cy="45719"/>
-          </a:xfrm>
-          <a:prstGeom prst="ellipse">
-            <a:avLst/>
-          </a:prstGeom>
-        </p:spPr>
-        <p:style>
-          <a:lnRef idx="2">
-            <a:schemeClr val="accent1">
-              <a:shade val="50000"/>
-            </a:schemeClr>
-          </a:lnRef>
-          <a:fillRef idx="1">
-            <a:schemeClr val="accent1"/>
-          </a:fillRef>
-          <a:effectRef idx="0">
-            <a:schemeClr val="accent1"/>
-          </a:effectRef>
-          <a:fontRef idx="minor">
-            <a:schemeClr val="lt1"/>
-          </a:fontRef>
-        </p:style>
-        <p:txBody>
-          <a:bodyPr rtlCol="0" anchor="ctr"/>
-          <a:lstStyle/>
-          <a:p>
-            <a:pPr algn="ctr"/>
-            <a:endParaRPr lang="ko-KR" altLang="en-US"/>
-          </a:p>
-        </p:txBody>
-      </p:sp>
-      <p:sp>
-        <p:nvSpPr>
-          <p:cNvPr id="34" name="타원 33">
-            <a:extLst>
-              <a:ext uri="{FF2B5EF4-FFF2-40B4-BE49-F238E27FC236}">
-                <a16:creationId xmlns:a16="http://schemas.microsoft.com/office/drawing/2014/main" id="{4702EB72-08F4-46C7-B83E-48FC3CBE3886}"/>
-              </a:ext>
-            </a:extLst>
-          </p:cNvPr>
-          <p:cNvSpPr/>
-          <p:nvPr/>
-        </p:nvSpPr>
-        <p:spPr>
-          <a:xfrm>
-            <a:off x="6444858" y="4532937"/>
-            <a:ext cx="71997" cy="45719"/>
-          </a:xfrm>
-          <a:prstGeom prst="ellipse">
-            <a:avLst/>
-          </a:prstGeom>
-        </p:spPr>
-        <p:style>
-          <a:lnRef idx="2">
-            <a:schemeClr val="accent1">
-              <a:shade val="50000"/>
-            </a:schemeClr>
-          </a:lnRef>
-          <a:fillRef idx="1">
-            <a:schemeClr val="accent1"/>
-          </a:fillRef>
-          <a:effectRef idx="0">
-            <a:schemeClr val="accent1"/>
-          </a:effectRef>
-          <a:fontRef idx="minor">
-            <a:schemeClr val="lt1"/>
-          </a:fontRef>
-        </p:style>
-        <p:txBody>
-          <a:bodyPr rtlCol="0" anchor="ctr"/>
-          <a:lstStyle/>
-          <a:p>
-            <a:pPr algn="ctr"/>
-            <a:endParaRPr lang="ko-KR" altLang="en-US"/>
-          </a:p>
-        </p:txBody>
-      </p:sp>
-      <p:sp>
-        <p:nvSpPr>
-          <p:cNvPr id="40" name="타원 39">
-            <a:extLst>
-              <a:ext uri="{FF2B5EF4-FFF2-40B4-BE49-F238E27FC236}">
-                <a16:creationId xmlns:a16="http://schemas.microsoft.com/office/drawing/2014/main" id="{3E591A3F-567E-4110-8ED0-B47FE2565849}"/>
-              </a:ext>
-            </a:extLst>
-          </p:cNvPr>
-          <p:cNvSpPr/>
-          <p:nvPr/>
-        </p:nvSpPr>
-        <p:spPr>
-          <a:xfrm>
-            <a:off x="7128929" y="4605208"/>
-            <a:ext cx="71997" cy="45719"/>
-          </a:xfrm>
-          <a:prstGeom prst="ellipse">
-            <a:avLst/>
-          </a:prstGeom>
-        </p:spPr>
-        <p:style>
-          <a:lnRef idx="2">
-            <a:schemeClr val="accent1">
-              <a:shade val="50000"/>
-            </a:schemeClr>
-          </a:lnRef>
-          <a:fillRef idx="1">
-            <a:schemeClr val="accent1"/>
-          </a:fillRef>
-          <a:effectRef idx="0">
-            <a:schemeClr val="accent1"/>
-          </a:effectRef>
-          <a:fontRef idx="minor">
-            <a:schemeClr val="lt1"/>
-          </a:fontRef>
-        </p:style>
-        <p:txBody>
-          <a:bodyPr rtlCol="0" anchor="ctr"/>
-          <a:lstStyle/>
-          <a:p>
-            <a:pPr algn="ctr"/>
-            <a:endParaRPr lang="ko-KR" altLang="en-US"/>
-          </a:p>
-        </p:txBody>
-      </p:sp>
-      <p:sp>
-        <p:nvSpPr>
-          <p:cNvPr id="41" name="타원 40">
-            <a:extLst>
-              <a:ext uri="{FF2B5EF4-FFF2-40B4-BE49-F238E27FC236}">
-                <a16:creationId xmlns:a16="http://schemas.microsoft.com/office/drawing/2014/main" id="{D370CBF7-7D8B-4FFF-8453-5C5B695ED343}"/>
-              </a:ext>
-            </a:extLst>
-          </p:cNvPr>
-          <p:cNvSpPr/>
-          <p:nvPr/>
-        </p:nvSpPr>
-        <p:spPr>
-          <a:xfrm>
-            <a:off x="6967346" y="4839008"/>
-            <a:ext cx="71997" cy="45719"/>
-          </a:xfrm>
-          <a:prstGeom prst="ellipse">
-            <a:avLst/>
-          </a:prstGeom>
-        </p:spPr>
-        <p:style>
-          <a:lnRef idx="2">
-            <a:schemeClr val="accent1">
-              <a:shade val="50000"/>
-            </a:schemeClr>
-          </a:lnRef>
-          <a:fillRef idx="1">
-            <a:schemeClr val="accent1"/>
-          </a:fillRef>
-          <a:effectRef idx="0">
-            <a:schemeClr val="accent1"/>
-          </a:effectRef>
-          <a:fontRef idx="minor">
-            <a:schemeClr val="lt1"/>
-          </a:fontRef>
-        </p:style>
-        <p:txBody>
-          <a:bodyPr rtlCol="0" anchor="ctr"/>
-          <a:lstStyle/>
-          <a:p>
-            <a:pPr algn="ctr"/>
-            <a:endParaRPr lang="ko-KR" altLang="en-US"/>
-          </a:p>
-        </p:txBody>
-      </p:sp>
-      <p:cxnSp>
-        <p:nvCxnSpPr>
-          <p:cNvPr id="42" name="직선 연결선 41">
-            <a:extLst>
-              <a:ext uri="{FF2B5EF4-FFF2-40B4-BE49-F238E27FC236}">
-                <a16:creationId xmlns:a16="http://schemas.microsoft.com/office/drawing/2014/main" id="{53E26C2C-2E55-4649-A897-7515264E9A28}"/>
+                <a16:creationId xmlns:a16="http://schemas.microsoft.com/office/drawing/2014/main" id="{5BAEAE5C-7659-4A54-81D1-AC4FF511B5D0}"/>
               </a:ext>
             </a:extLst>
           </p:cNvPr>
@@ -29408,9 +28773,9 @@
           <p:nvPr/>
         </p:nvCxnSpPr>
         <p:spPr>
-          <a:xfrm>
-            <a:off x="2340035" y="2844895"/>
-            <a:ext cx="4699308" cy="613972"/>
+          <a:xfrm flipV="1">
+            <a:off x="1979711" y="3418636"/>
+            <a:ext cx="2592289" cy="2025245"/>
           </a:xfrm>
           <a:prstGeom prst="line">
             <a:avLst/>
@@ -29438,10 +28803,10 @@
       </p:cxnSp>
       <p:cxnSp>
         <p:nvCxnSpPr>
-          <p:cNvPr id="43" name="직선 연결선 42">
+          <p:cNvPr id="20" name="직선 연결선 19">
             <a:extLst>
               <a:ext uri="{FF2B5EF4-FFF2-40B4-BE49-F238E27FC236}">
-                <a16:creationId xmlns:a16="http://schemas.microsoft.com/office/drawing/2014/main" id="{B15B858D-6D39-40BA-896A-B97375FAB42E}"/>
+                <a16:creationId xmlns:a16="http://schemas.microsoft.com/office/drawing/2014/main" id="{D937C854-0F91-402F-A4BE-420CC50E0491}"/>
               </a:ext>
             </a:extLst>
           </p:cNvPr>
@@ -29451,16 +28816,16 @@
           <p:nvPr/>
         </p:nvCxnSpPr>
         <p:spPr>
-          <a:xfrm flipH="1" flipV="1">
-            <a:off x="7018887" y="3409801"/>
-            <a:ext cx="49720" cy="2038230"/>
+          <a:xfrm flipV="1">
+            <a:off x="1979711" y="4448881"/>
+            <a:ext cx="2664297" cy="995000"/>
           </a:xfrm>
           <a:prstGeom prst="line">
             <a:avLst/>
           </a:prstGeom>
           <a:ln w="38100">
             <a:solidFill>
-              <a:srgbClr val="0070C0"/>
+              <a:srgbClr val="FF0000"/>
             </a:solidFill>
           </a:ln>
         </p:spPr>
@@ -29481,10 +28846,10 @@
       </p:cxnSp>
       <p:cxnSp>
         <p:nvCxnSpPr>
-          <p:cNvPr id="44" name="직선 연결선 43">
+          <p:cNvPr id="24" name="직선 연결선 23">
             <a:extLst>
               <a:ext uri="{FF2B5EF4-FFF2-40B4-BE49-F238E27FC236}">
-                <a16:creationId xmlns:a16="http://schemas.microsoft.com/office/drawing/2014/main" id="{1A36BF10-2191-47C2-8180-13BF0EE2EEA9}"/>
+                <a16:creationId xmlns:a16="http://schemas.microsoft.com/office/drawing/2014/main" id="{38F1A20C-66F9-4759-8AE7-1289E03E6C82}"/>
               </a:ext>
             </a:extLst>
           </p:cNvPr>
@@ -29494,16 +28859,102 @@
           <p:nvPr/>
         </p:nvCxnSpPr>
         <p:spPr>
-          <a:xfrm flipH="1">
-            <a:off x="2075393" y="3431261"/>
-            <a:ext cx="4927951" cy="0"/>
+          <a:xfrm flipV="1">
+            <a:off x="1979710" y="2467635"/>
+            <a:ext cx="2592290" cy="2966514"/>
           </a:xfrm>
           <a:prstGeom prst="line">
             <a:avLst/>
           </a:prstGeom>
           <a:ln w="38100">
             <a:solidFill>
-              <a:srgbClr val="0070C0"/>
+              <a:srgbClr val="FF0000"/>
+            </a:solidFill>
+          </a:ln>
+        </p:spPr>
+        <p:style>
+          <a:lnRef idx="1">
+            <a:schemeClr val="accent1"/>
+          </a:lnRef>
+          <a:fillRef idx="0">
+            <a:schemeClr val="accent1"/>
+          </a:fillRef>
+          <a:effectRef idx="0">
+            <a:schemeClr val="accent1"/>
+          </a:effectRef>
+          <a:fontRef idx="minor">
+            <a:schemeClr val="tx1"/>
+          </a:fontRef>
+        </p:style>
+      </p:cxnSp>
+      <p:cxnSp>
+        <p:nvCxnSpPr>
+          <p:cNvPr id="26" name="직선 연결선 25">
+            <a:extLst>
+              <a:ext uri="{FF2B5EF4-FFF2-40B4-BE49-F238E27FC236}">
+                <a16:creationId xmlns:a16="http://schemas.microsoft.com/office/drawing/2014/main" id="{AC9FD78F-566D-4CDA-AB15-731BF09D3C59}"/>
+              </a:ext>
+            </a:extLst>
+          </p:cNvPr>
+          <p:cNvCxnSpPr>
+            <a:cxnSpLocks/>
+          </p:cNvCxnSpPr>
+          <p:nvPr/>
+        </p:nvCxnSpPr>
+        <p:spPr>
+          <a:xfrm flipV="1">
+            <a:off x="1979709" y="2697770"/>
+            <a:ext cx="2592289" cy="2025245"/>
+          </a:xfrm>
+          <a:prstGeom prst="line">
+            <a:avLst/>
+          </a:prstGeom>
+          <a:ln w="38100">
+            <a:solidFill>
+              <a:srgbClr val="FF0000"/>
+            </a:solidFill>
+          </a:ln>
+        </p:spPr>
+        <p:style>
+          <a:lnRef idx="1">
+            <a:schemeClr val="accent1"/>
+          </a:lnRef>
+          <a:fillRef idx="0">
+            <a:schemeClr val="accent1"/>
+          </a:fillRef>
+          <a:effectRef idx="0">
+            <a:schemeClr val="accent1"/>
+          </a:effectRef>
+          <a:fontRef idx="minor">
+            <a:schemeClr val="tx1"/>
+          </a:fontRef>
+        </p:style>
+      </p:cxnSp>
+      <p:cxnSp>
+        <p:nvCxnSpPr>
+          <p:cNvPr id="30" name="직선 연결선 29">
+            <a:extLst>
+              <a:ext uri="{FF2B5EF4-FFF2-40B4-BE49-F238E27FC236}">
+                <a16:creationId xmlns:a16="http://schemas.microsoft.com/office/drawing/2014/main" id="{34613841-D830-4740-A5BA-C08B7448656B}"/>
+              </a:ext>
+            </a:extLst>
+          </p:cNvPr>
+          <p:cNvCxnSpPr>
+            <a:cxnSpLocks/>
+          </p:cNvCxnSpPr>
+          <p:nvPr/>
+        </p:nvCxnSpPr>
+        <p:spPr>
+          <a:xfrm flipV="1">
+            <a:off x="1945128" y="1908513"/>
+            <a:ext cx="2592289" cy="2025245"/>
+          </a:xfrm>
+          <a:prstGeom prst="line">
+            <a:avLst/>
+          </a:prstGeom>
+          <a:ln w="38100">
+            <a:solidFill>
+              <a:srgbClr val="FF0000"/>
             </a:solidFill>
           </a:ln>
         </p:spPr>
@@ -29525,7 +28976,7 @@
     </p:spTree>
     <p:extLst>
       <p:ext uri="{BB962C8B-B14F-4D97-AF65-F5344CB8AC3E}">
-        <p14:creationId xmlns:p14="http://schemas.microsoft.com/office/powerpoint/2010/main" val="620914505"/>
+        <p14:creationId xmlns:p14="http://schemas.microsoft.com/office/powerpoint/2010/main" val="1806942077"/>
       </p:ext>
     </p:extLst>
   </p:cSld>
@@ -30202,8 +29653,8 @@
         </p:nvSpPr>
         <p:spPr>
           <a:xfrm>
-            <a:off x="4027418" y="1069365"/>
-            <a:ext cx="6066747" cy="1169551"/>
+            <a:off x="4414912" y="1233429"/>
+            <a:ext cx="6066747" cy="738664"/>
           </a:xfrm>
           <a:prstGeom prst="rect">
             <a:avLst/>
@@ -30441,77 +29892,6 @@
               <a:latin typeface="나눔고딕 ExtraBold" panose="020D0904000000000000" pitchFamily="50" charset="-127"/>
               <a:ea typeface="나눔고딕 ExtraBold" panose="020D0904000000000000" pitchFamily="50" charset="-127"/>
             </a:endParaRPr>
-          </a:p>
-          <a:p>
-            <a:pPr algn="ctr"/>
-            <a:endParaRPr lang="en-US" altLang="ko-KR" sz="1400" dirty="0">
-              <a:ln>
-                <a:solidFill>
-                  <a:schemeClr val="tx1">
-                    <a:alpha val="30000"/>
-                  </a:schemeClr>
-                </a:solidFill>
-              </a:ln>
-              <a:solidFill>
-                <a:srgbClr val="272123"/>
-              </a:solidFill>
-              <a:latin typeface="나눔고딕 ExtraBold" panose="020D0904000000000000" pitchFamily="50" charset="-127"/>
-              <a:ea typeface="나눔고딕 ExtraBold" panose="020D0904000000000000" pitchFamily="50" charset="-127"/>
-            </a:endParaRPr>
-          </a:p>
-          <a:p>
-            <a:pPr algn="ctr"/>
-            <a:r>
-              <a:rPr lang="en-US" altLang="ko-KR" sz="1400" dirty="0">
-                <a:ln>
-                  <a:solidFill>
-                    <a:schemeClr val="tx1">
-                      <a:alpha val="30000"/>
-                    </a:schemeClr>
-                  </a:solidFill>
-                </a:ln>
-                <a:solidFill>
-                  <a:srgbClr val="272123"/>
-                </a:solidFill>
-                <a:latin typeface="나눔고딕 ExtraBold" panose="020D0904000000000000" pitchFamily="50" charset="-127"/>
-                <a:ea typeface="나눔고딕 ExtraBold" panose="020D0904000000000000" pitchFamily="50" charset="-127"/>
-              </a:rPr>
-              <a:t>Print(</a:t>
-            </a:r>
-            <a:r>
-              <a:rPr lang="en-US" altLang="ko-KR" sz="1400" dirty="0" err="1">
-                <a:ln>
-                  <a:solidFill>
-                    <a:schemeClr val="tx1">
-                      <a:alpha val="30000"/>
-                    </a:schemeClr>
-                  </a:solidFill>
-                </a:ln>
-                <a:solidFill>
-                  <a:srgbClr val="272123"/>
-                </a:solidFill>
-                <a:latin typeface="나눔고딕 ExtraBold" panose="020D0904000000000000" pitchFamily="50" charset="-127"/>
-                <a:ea typeface="나눔고딕 ExtraBold" panose="020D0904000000000000" pitchFamily="50" charset="-127"/>
-              </a:rPr>
-              <a:t>housePrice</a:t>
-            </a:r>
-            <a:r>
-              <a:rPr lang="en-US" altLang="ko-KR" sz="1400" dirty="0">
-                <a:ln>
-                  <a:solidFill>
-                    <a:schemeClr val="tx1">
-                      <a:alpha val="30000"/>
-                    </a:schemeClr>
-                  </a:solidFill>
-                </a:ln>
-                <a:solidFill>
-                  <a:srgbClr val="272123"/>
-                </a:solidFill>
-                <a:latin typeface="나눔고딕 ExtraBold" panose="020D0904000000000000" pitchFamily="50" charset="-127"/>
-                <a:ea typeface="나눔고딕 ExtraBold" panose="020D0904000000000000" pitchFamily="50" charset="-127"/>
-              </a:rPr>
-              <a:t>)</a:t>
-            </a:r>
           </a:p>
         </p:txBody>
       </p:sp>
@@ -30529,8 +29909,8 @@
         </p:nvSpPr>
         <p:spPr>
           <a:xfrm>
-            <a:off x="5503592" y="825968"/>
-            <a:ext cx="3249393" cy="1810942"/>
+            <a:off x="6084160" y="978334"/>
+            <a:ext cx="2668825" cy="1260441"/>
           </a:xfrm>
           <a:prstGeom prst="rect">
             <a:avLst/>
@@ -30935,10 +30315,53 @@
           </a:p>
         </p:txBody>
       </p:sp>
+      <p:cxnSp>
+        <p:nvCxnSpPr>
+          <p:cNvPr id="25" name="직선 연결선 24">
+            <a:extLst>
+              <a:ext uri="{FF2B5EF4-FFF2-40B4-BE49-F238E27FC236}">
+                <a16:creationId xmlns:a16="http://schemas.microsoft.com/office/drawing/2014/main" id="{EE6EEF54-4A5A-4CD6-BA80-920854EC0BEF}"/>
+              </a:ext>
+            </a:extLst>
+          </p:cNvPr>
+          <p:cNvCxnSpPr>
+            <a:cxnSpLocks/>
+          </p:cNvCxnSpPr>
+          <p:nvPr/>
+        </p:nvCxnSpPr>
+        <p:spPr>
+          <a:xfrm>
+            <a:off x="2104657" y="2656841"/>
+            <a:ext cx="5779711" cy="2451889"/>
+          </a:xfrm>
+          <a:prstGeom prst="line">
+            <a:avLst/>
+          </a:prstGeom>
+          <a:ln w="38100">
+            <a:solidFill>
+              <a:srgbClr val="FF0000"/>
+            </a:solidFill>
+          </a:ln>
+        </p:spPr>
+        <p:style>
+          <a:lnRef idx="1">
+            <a:schemeClr val="accent1"/>
+          </a:lnRef>
+          <a:fillRef idx="0">
+            <a:schemeClr val="accent1"/>
+          </a:fillRef>
+          <a:effectRef idx="0">
+            <a:schemeClr val="accent1"/>
+          </a:effectRef>
+          <a:fontRef idx="minor">
+            <a:schemeClr val="tx1"/>
+          </a:fontRef>
+        </p:style>
+      </p:cxnSp>
     </p:spTree>
     <p:extLst>
       <p:ext uri="{BB962C8B-B14F-4D97-AF65-F5344CB8AC3E}">
-        <p14:creationId xmlns:p14="http://schemas.microsoft.com/office/powerpoint/2010/main" val="1084243965"/>
+        <p14:creationId xmlns:p14="http://schemas.microsoft.com/office/powerpoint/2010/main" val="620914505"/>
       </p:ext>
     </p:extLst>
   </p:cSld>
@@ -32569,385 +31992,6 @@
       </p:sp>
       <p:sp>
         <p:nvSpPr>
-          <p:cNvPr id="22" name="TextBox 21">
-            <a:extLst>
-              <a:ext uri="{FF2B5EF4-FFF2-40B4-BE49-F238E27FC236}">
-                <a16:creationId xmlns:a16="http://schemas.microsoft.com/office/drawing/2014/main" id="{33D010A5-8B1B-4472-90F1-B5BF5FE361C9}"/>
-              </a:ext>
-            </a:extLst>
-          </p:cNvPr>
-          <p:cNvSpPr txBox="1"/>
-          <p:nvPr/>
-        </p:nvSpPr>
-        <p:spPr>
-          <a:xfrm>
-            <a:off x="4027418" y="1069365"/>
-            <a:ext cx="6066747" cy="1169551"/>
-          </a:xfrm>
-          <a:prstGeom prst="rect">
-            <a:avLst/>
-          </a:prstGeom>
-          <a:noFill/>
-        </p:spPr>
-        <p:txBody>
-          <a:bodyPr wrap="square" rtlCol="0">
-            <a:spAutoFit/>
-          </a:bodyPr>
-          <a:lstStyle/>
-          <a:p>
-            <a:pPr algn="ctr"/>
-            <a:r>
-              <a:rPr lang="en-US" altLang="ko-KR" sz="1400" dirty="0">
-                <a:ln>
-                  <a:solidFill>
-                    <a:schemeClr val="tx1">
-                      <a:alpha val="30000"/>
-                    </a:schemeClr>
-                  </a:solidFill>
-                </a:ln>
-                <a:solidFill>
-                  <a:srgbClr val="272123"/>
-                </a:solidFill>
-                <a:latin typeface="나눔고딕 ExtraBold" panose="020D0904000000000000" pitchFamily="50" charset="-127"/>
-                <a:ea typeface="나눔고딕 ExtraBold" panose="020D0904000000000000" pitchFamily="50" charset="-127"/>
-              </a:rPr>
-              <a:t>Long </a:t>
-            </a:r>
-            <a:r>
-              <a:rPr lang="en-US" altLang="ko-KR" sz="1400" dirty="0" err="1">
-                <a:ln>
-                  <a:solidFill>
-                    <a:schemeClr val="tx1">
-                      <a:alpha val="30000"/>
-                    </a:schemeClr>
-                  </a:solidFill>
-                </a:ln>
-                <a:solidFill>
-                  <a:srgbClr val="272123"/>
-                </a:solidFill>
-                <a:latin typeface="나눔고딕 ExtraBold" panose="020D0904000000000000" pitchFamily="50" charset="-127"/>
-                <a:ea typeface="나눔고딕 ExtraBold" panose="020D0904000000000000" pitchFamily="50" charset="-127"/>
-              </a:rPr>
-              <a:t>housePrice</a:t>
-            </a:r>
-            <a:r>
-              <a:rPr lang="en-US" altLang="ko-KR" sz="1400" dirty="0">
-                <a:ln>
-                  <a:solidFill>
-                    <a:schemeClr val="tx1">
-                      <a:alpha val="30000"/>
-                    </a:schemeClr>
-                  </a:solidFill>
-                </a:ln>
-                <a:solidFill>
-                  <a:srgbClr val="272123"/>
-                </a:solidFill>
-                <a:latin typeface="나눔고딕 ExtraBold" panose="020D0904000000000000" pitchFamily="50" charset="-127"/>
-                <a:ea typeface="나눔고딕 ExtraBold" panose="020D0904000000000000" pitchFamily="50" charset="-127"/>
-              </a:rPr>
-              <a:t> =</a:t>
-            </a:r>
-          </a:p>
-          <a:p>
-            <a:pPr algn="ctr"/>
-            <a:r>
-              <a:rPr lang="en-US" altLang="ko-KR" sz="1400" dirty="0">
-                <a:ln>
-                  <a:solidFill>
-                    <a:schemeClr val="tx1">
-                      <a:alpha val="30000"/>
-                    </a:schemeClr>
-                  </a:solidFill>
-                </a:ln>
-                <a:solidFill>
-                  <a:srgbClr val="272123"/>
-                </a:solidFill>
-                <a:latin typeface="나눔고딕 ExtraBold" panose="020D0904000000000000" pitchFamily="50" charset="-127"/>
-                <a:ea typeface="나눔고딕 ExtraBold" panose="020D0904000000000000" pitchFamily="50" charset="-127"/>
-              </a:rPr>
-              <a:t> 100000000 (1</a:t>
-            </a:r>
-            <a:r>
-              <a:rPr lang="ko-KR" altLang="en-US" sz="1400" dirty="0">
-                <a:ln>
-                  <a:solidFill>
-                    <a:schemeClr val="tx1">
-                      <a:alpha val="30000"/>
-                    </a:schemeClr>
-                  </a:solidFill>
-                </a:ln>
-                <a:solidFill>
-                  <a:srgbClr val="272123"/>
-                </a:solidFill>
-                <a:latin typeface="나눔고딕 ExtraBold" panose="020D0904000000000000" pitchFamily="50" charset="-127"/>
-                <a:ea typeface="나눔고딕 ExtraBold" panose="020D0904000000000000" pitchFamily="50" charset="-127"/>
-              </a:rPr>
-              <a:t>억</a:t>
-            </a:r>
-            <a:r>
-              <a:rPr lang="en-US" altLang="ko-KR" sz="1400" dirty="0">
-                <a:ln>
-                  <a:solidFill>
-                    <a:schemeClr val="tx1">
-                      <a:alpha val="30000"/>
-                    </a:schemeClr>
-                  </a:solidFill>
-                </a:ln>
-                <a:solidFill>
-                  <a:srgbClr val="272123"/>
-                </a:solidFill>
-                <a:latin typeface="나눔고딕 ExtraBold" panose="020D0904000000000000" pitchFamily="50" charset="-127"/>
-                <a:ea typeface="나눔고딕 ExtraBold" panose="020D0904000000000000" pitchFamily="50" charset="-127"/>
-              </a:rPr>
-              <a:t>)</a:t>
-            </a:r>
-          </a:p>
-          <a:p>
-            <a:pPr algn="ctr"/>
-            <a:r>
-              <a:rPr lang="en-US" altLang="ko-KR" sz="1400" dirty="0">
-                <a:ln>
-                  <a:solidFill>
-                    <a:schemeClr val="tx1">
-                      <a:alpha val="30000"/>
-                    </a:schemeClr>
-                  </a:solidFill>
-                </a:ln>
-                <a:solidFill>
-                  <a:srgbClr val="272123"/>
-                </a:solidFill>
-                <a:latin typeface="나눔고딕 ExtraBold" panose="020D0904000000000000" pitchFamily="50" charset="-127"/>
-                <a:ea typeface="나눔고딕 ExtraBold" panose="020D0904000000000000" pitchFamily="50" charset="-127"/>
-              </a:rPr>
-              <a:t>- </a:t>
-            </a:r>
-            <a:r>
-              <a:rPr lang="ko-KR" altLang="en-US" sz="1400" dirty="0" err="1">
-                <a:ln>
-                  <a:solidFill>
-                    <a:schemeClr val="tx1">
-                      <a:alpha val="30000"/>
-                    </a:schemeClr>
-                  </a:solidFill>
-                </a:ln>
-                <a:solidFill>
-                  <a:srgbClr val="272123"/>
-                </a:solidFill>
-                <a:latin typeface="나눔고딕 ExtraBold" panose="020D0904000000000000" pitchFamily="50" charset="-127"/>
-                <a:ea typeface="나눔고딕 ExtraBold" panose="020D0904000000000000" pitchFamily="50" charset="-127"/>
-              </a:rPr>
-              <a:t>범죄율</a:t>
-            </a:r>
-            <a:r>
-              <a:rPr lang="ko-KR" altLang="en-US" sz="1400" dirty="0">
-                <a:ln>
-                  <a:solidFill>
-                    <a:schemeClr val="tx1">
-                      <a:alpha val="30000"/>
-                    </a:schemeClr>
-                  </a:solidFill>
-                </a:ln>
-                <a:solidFill>
-                  <a:srgbClr val="272123"/>
-                </a:solidFill>
-                <a:latin typeface="나눔고딕 ExtraBold" panose="020D0904000000000000" pitchFamily="50" charset="-127"/>
-                <a:ea typeface="나눔고딕 ExtraBold" panose="020D0904000000000000" pitchFamily="50" charset="-127"/>
-              </a:rPr>
-              <a:t> </a:t>
-            </a:r>
-            <a:r>
-              <a:rPr lang="en-US" altLang="ko-KR" sz="1400" dirty="0">
-                <a:ln>
-                  <a:solidFill>
-                    <a:schemeClr val="tx1">
-                      <a:alpha val="30000"/>
-                    </a:schemeClr>
-                  </a:solidFill>
-                </a:ln>
-                <a:solidFill>
-                  <a:srgbClr val="272123"/>
-                </a:solidFill>
-                <a:latin typeface="나눔고딕 ExtraBold" panose="020D0904000000000000" pitchFamily="50" charset="-127"/>
-                <a:ea typeface="나눔고딕 ExtraBold" panose="020D0904000000000000" pitchFamily="50" charset="-127"/>
-              </a:rPr>
-              <a:t>* </a:t>
-            </a:r>
-            <a:r>
-              <a:rPr lang="en-US" altLang="ko-KR" sz="1400" dirty="0">
-                <a:ln>
-                  <a:solidFill>
-                    <a:schemeClr val="tx1">
-                      <a:alpha val="30000"/>
-                    </a:schemeClr>
-                  </a:solidFill>
-                </a:ln>
-                <a:solidFill>
-                  <a:srgbClr val="FF0000"/>
-                </a:solidFill>
-                <a:latin typeface="나눔고딕 ExtraBold" panose="020D0904000000000000" pitchFamily="50" charset="-127"/>
-                <a:ea typeface="나눔고딕 ExtraBold" panose="020D0904000000000000" pitchFamily="50" charset="-127"/>
-              </a:rPr>
-              <a:t>2534</a:t>
-            </a:r>
-            <a:r>
-              <a:rPr lang="ko-KR" altLang="en-US" sz="1400" dirty="0">
-                <a:ln>
-                  <a:solidFill>
-                    <a:schemeClr val="tx1">
-                      <a:alpha val="30000"/>
-                    </a:schemeClr>
-                  </a:solidFill>
-                </a:ln>
-                <a:solidFill>
-                  <a:srgbClr val="FF0000"/>
-                </a:solidFill>
-                <a:latin typeface="나눔고딕 ExtraBold" panose="020D0904000000000000" pitchFamily="50" charset="-127"/>
-                <a:ea typeface="나눔고딕 ExtraBold" panose="020D0904000000000000" pitchFamily="50" charset="-127"/>
-              </a:rPr>
-              <a:t>만원</a:t>
-            </a:r>
-            <a:endParaRPr lang="en-US" altLang="ko-KR" sz="1400" dirty="0">
-              <a:ln>
-                <a:solidFill>
-                  <a:schemeClr val="tx1">
-                    <a:alpha val="30000"/>
-                  </a:schemeClr>
-                </a:solidFill>
-              </a:ln>
-              <a:solidFill>
-                <a:srgbClr val="272123"/>
-              </a:solidFill>
-              <a:latin typeface="나눔고딕 ExtraBold" panose="020D0904000000000000" pitchFamily="50" charset="-127"/>
-              <a:ea typeface="나눔고딕 ExtraBold" panose="020D0904000000000000" pitchFamily="50" charset="-127"/>
-            </a:endParaRPr>
-          </a:p>
-          <a:p>
-            <a:pPr algn="ctr"/>
-            <a:endParaRPr lang="en-US" altLang="ko-KR" sz="1400" dirty="0">
-              <a:ln>
-                <a:solidFill>
-                  <a:schemeClr val="tx1">
-                    <a:alpha val="30000"/>
-                  </a:schemeClr>
-                </a:solidFill>
-              </a:ln>
-              <a:solidFill>
-                <a:srgbClr val="272123"/>
-              </a:solidFill>
-              <a:latin typeface="나눔고딕 ExtraBold" panose="020D0904000000000000" pitchFamily="50" charset="-127"/>
-              <a:ea typeface="나눔고딕 ExtraBold" panose="020D0904000000000000" pitchFamily="50" charset="-127"/>
-            </a:endParaRPr>
-          </a:p>
-          <a:p>
-            <a:pPr algn="ctr"/>
-            <a:r>
-              <a:rPr lang="en-US" altLang="ko-KR" sz="1400" dirty="0">
-                <a:ln>
-                  <a:solidFill>
-                    <a:schemeClr val="tx1">
-                      <a:alpha val="30000"/>
-                    </a:schemeClr>
-                  </a:solidFill>
-                </a:ln>
-                <a:solidFill>
-                  <a:srgbClr val="272123"/>
-                </a:solidFill>
-                <a:latin typeface="나눔고딕 ExtraBold" panose="020D0904000000000000" pitchFamily="50" charset="-127"/>
-                <a:ea typeface="나눔고딕 ExtraBold" panose="020D0904000000000000" pitchFamily="50" charset="-127"/>
-              </a:rPr>
-              <a:t>Print(</a:t>
-            </a:r>
-            <a:r>
-              <a:rPr lang="en-US" altLang="ko-KR" sz="1400" dirty="0" err="1">
-                <a:ln>
-                  <a:solidFill>
-                    <a:schemeClr val="tx1">
-                      <a:alpha val="30000"/>
-                    </a:schemeClr>
-                  </a:solidFill>
-                </a:ln>
-                <a:solidFill>
-                  <a:srgbClr val="272123"/>
-                </a:solidFill>
-                <a:latin typeface="나눔고딕 ExtraBold" panose="020D0904000000000000" pitchFamily="50" charset="-127"/>
-                <a:ea typeface="나눔고딕 ExtraBold" panose="020D0904000000000000" pitchFamily="50" charset="-127"/>
-              </a:rPr>
-              <a:t>housePrice</a:t>
-            </a:r>
-            <a:r>
-              <a:rPr lang="en-US" altLang="ko-KR" sz="1400" dirty="0">
-                <a:ln>
-                  <a:solidFill>
-                    <a:schemeClr val="tx1">
-                      <a:alpha val="30000"/>
-                    </a:schemeClr>
-                  </a:solidFill>
-                </a:ln>
-                <a:solidFill>
-                  <a:srgbClr val="272123"/>
-                </a:solidFill>
-                <a:latin typeface="나눔고딕 ExtraBold" panose="020D0904000000000000" pitchFamily="50" charset="-127"/>
-                <a:ea typeface="나눔고딕 ExtraBold" panose="020D0904000000000000" pitchFamily="50" charset="-127"/>
-              </a:rPr>
-              <a:t>)</a:t>
-            </a:r>
-          </a:p>
-        </p:txBody>
-      </p:sp>
-      <p:sp>
-        <p:nvSpPr>
-          <p:cNvPr id="26" name="직사각형 25">
-            <a:extLst>
-              <a:ext uri="{FF2B5EF4-FFF2-40B4-BE49-F238E27FC236}">
-                <a16:creationId xmlns:a16="http://schemas.microsoft.com/office/drawing/2014/main" id="{B96D63B7-E393-488B-8BAC-AC31E7A9D79F}"/>
-              </a:ext>
-            </a:extLst>
-          </p:cNvPr>
-          <p:cNvSpPr/>
-          <p:nvPr/>
-        </p:nvSpPr>
-        <p:spPr>
-          <a:xfrm>
-            <a:off x="5503592" y="825968"/>
-            <a:ext cx="3249393" cy="1810942"/>
-          </a:xfrm>
-          <a:prstGeom prst="rect">
-            <a:avLst/>
-          </a:prstGeom>
-          <a:noFill/>
-          <a:ln w="76200">
-            <a:solidFill>
-              <a:schemeClr val="tx1"/>
-            </a:solidFill>
-          </a:ln>
-        </p:spPr>
-        <p:style>
-          <a:lnRef idx="2">
-            <a:schemeClr val="accent1">
-              <a:shade val="50000"/>
-            </a:schemeClr>
-          </a:lnRef>
-          <a:fillRef idx="1">
-            <a:schemeClr val="accent1"/>
-          </a:fillRef>
-          <a:effectRef idx="0">
-            <a:schemeClr val="accent1"/>
-          </a:effectRef>
-          <a:fontRef idx="minor">
-            <a:schemeClr val="lt1"/>
-          </a:fontRef>
-        </p:style>
-        <p:txBody>
-          <a:bodyPr rtlCol="0" anchor="ctr"/>
-          <a:lstStyle/>
-          <a:p>
-            <a:pPr algn="ctr"/>
-            <a:endParaRPr lang="ko-KR" altLang="en-US"/>
-          </a:p>
-        </p:txBody>
-      </p:sp>
-      <p:sp>
-        <p:nvSpPr>
           <p:cNvPr id="2" name="타원 1">
             <a:extLst>
               <a:ext uri="{FF2B5EF4-FFF2-40B4-BE49-F238E27FC236}">
@@ -33314,10 +32358,368 @@
           </a:p>
         </p:txBody>
       </p:sp>
+      <p:cxnSp>
+        <p:nvCxnSpPr>
+          <p:cNvPr id="25" name="직선 연결선 24">
+            <a:extLst>
+              <a:ext uri="{FF2B5EF4-FFF2-40B4-BE49-F238E27FC236}">
+                <a16:creationId xmlns:a16="http://schemas.microsoft.com/office/drawing/2014/main" id="{EE6EEF54-4A5A-4CD6-BA80-920854EC0BEF}"/>
+              </a:ext>
+            </a:extLst>
+          </p:cNvPr>
+          <p:cNvCxnSpPr>
+            <a:cxnSpLocks/>
+          </p:cNvCxnSpPr>
+          <p:nvPr/>
+        </p:nvCxnSpPr>
+        <p:spPr>
+          <a:xfrm>
+            <a:off x="2104657" y="2656841"/>
+            <a:ext cx="5779711" cy="2451889"/>
+          </a:xfrm>
+          <a:prstGeom prst="line">
+            <a:avLst/>
+          </a:prstGeom>
+          <a:ln w="38100">
+            <a:solidFill>
+              <a:srgbClr val="FF0000"/>
+            </a:solidFill>
+          </a:ln>
+        </p:spPr>
+        <p:style>
+          <a:lnRef idx="1">
+            <a:schemeClr val="accent1"/>
+          </a:lnRef>
+          <a:fillRef idx="0">
+            <a:schemeClr val="accent1"/>
+          </a:fillRef>
+          <a:effectRef idx="0">
+            <a:schemeClr val="accent1"/>
+          </a:effectRef>
+          <a:fontRef idx="minor">
+            <a:schemeClr val="tx1"/>
+          </a:fontRef>
+        </p:style>
+      </p:cxnSp>
+      <p:cxnSp>
+        <p:nvCxnSpPr>
+          <p:cNvPr id="39" name="직선 연결선 38">
+            <a:extLst>
+              <a:ext uri="{FF2B5EF4-FFF2-40B4-BE49-F238E27FC236}">
+                <a16:creationId xmlns:a16="http://schemas.microsoft.com/office/drawing/2014/main" id="{4EF38AC3-1119-4A02-8888-3B73D49BF964}"/>
+              </a:ext>
+            </a:extLst>
+          </p:cNvPr>
+          <p:cNvCxnSpPr>
+            <a:cxnSpLocks/>
+          </p:cNvCxnSpPr>
+          <p:nvPr/>
+        </p:nvCxnSpPr>
+        <p:spPr>
+          <a:xfrm>
+            <a:off x="2819598" y="2996952"/>
+            <a:ext cx="0" cy="715266"/>
+          </a:xfrm>
+          <a:prstGeom prst="line">
+            <a:avLst/>
+          </a:prstGeom>
+          <a:ln w="38100">
+            <a:solidFill>
+              <a:srgbClr val="00B0F0"/>
+            </a:solidFill>
+          </a:ln>
+        </p:spPr>
+        <p:style>
+          <a:lnRef idx="1">
+            <a:schemeClr val="accent1"/>
+          </a:lnRef>
+          <a:fillRef idx="0">
+            <a:schemeClr val="accent1"/>
+          </a:fillRef>
+          <a:effectRef idx="0">
+            <a:schemeClr val="accent1"/>
+          </a:effectRef>
+          <a:fontRef idx="minor">
+            <a:schemeClr val="tx1"/>
+          </a:fontRef>
+        </p:style>
+      </p:cxnSp>
+      <p:cxnSp>
+        <p:nvCxnSpPr>
+          <p:cNvPr id="42" name="직선 연결선 41">
+            <a:extLst>
+              <a:ext uri="{FF2B5EF4-FFF2-40B4-BE49-F238E27FC236}">
+                <a16:creationId xmlns:a16="http://schemas.microsoft.com/office/drawing/2014/main" id="{9C2020EE-9872-4D1F-A004-9A8F44B078DC}"/>
+              </a:ext>
+            </a:extLst>
+          </p:cNvPr>
+          <p:cNvCxnSpPr>
+            <a:cxnSpLocks/>
+            <a:stCxn id="2" idx="4"/>
+          </p:cNvCxnSpPr>
+          <p:nvPr/>
+        </p:nvCxnSpPr>
+        <p:spPr>
+          <a:xfrm flipH="1">
+            <a:off x="2703091" y="2666969"/>
+            <a:ext cx="1" cy="239906"/>
+          </a:xfrm>
+          <a:prstGeom prst="line">
+            <a:avLst/>
+          </a:prstGeom>
+          <a:ln w="38100">
+            <a:solidFill>
+              <a:srgbClr val="00B0F0"/>
+            </a:solidFill>
+          </a:ln>
+        </p:spPr>
+        <p:style>
+          <a:lnRef idx="1">
+            <a:schemeClr val="accent1"/>
+          </a:lnRef>
+          <a:fillRef idx="0">
+            <a:schemeClr val="accent1"/>
+          </a:fillRef>
+          <a:effectRef idx="0">
+            <a:schemeClr val="accent1"/>
+          </a:effectRef>
+          <a:fontRef idx="minor">
+            <a:schemeClr val="tx1"/>
+          </a:fontRef>
+        </p:style>
+      </p:cxnSp>
+      <p:cxnSp>
+        <p:nvCxnSpPr>
+          <p:cNvPr id="43" name="직선 연결선 42">
+            <a:extLst>
+              <a:ext uri="{FF2B5EF4-FFF2-40B4-BE49-F238E27FC236}">
+                <a16:creationId xmlns:a16="http://schemas.microsoft.com/office/drawing/2014/main" id="{07007DBA-14A8-4F6F-BEF0-B2E1796249B7}"/>
+              </a:ext>
+            </a:extLst>
+          </p:cNvPr>
+          <p:cNvCxnSpPr>
+            <a:cxnSpLocks/>
+          </p:cNvCxnSpPr>
+          <p:nvPr/>
+        </p:nvCxnSpPr>
+        <p:spPr>
+          <a:xfrm>
+            <a:off x="4378913" y="3458867"/>
+            <a:ext cx="0" cy="152400"/>
+          </a:xfrm>
+          <a:prstGeom prst="line">
+            <a:avLst/>
+          </a:prstGeom>
+          <a:ln w="38100">
+            <a:solidFill>
+              <a:srgbClr val="00B0F0"/>
+            </a:solidFill>
+          </a:ln>
+        </p:spPr>
+        <p:style>
+          <a:lnRef idx="1">
+            <a:schemeClr val="accent1"/>
+          </a:lnRef>
+          <a:fillRef idx="0">
+            <a:schemeClr val="accent1"/>
+          </a:fillRef>
+          <a:effectRef idx="0">
+            <a:schemeClr val="accent1"/>
+          </a:effectRef>
+          <a:fontRef idx="minor">
+            <a:schemeClr val="tx1"/>
+          </a:fontRef>
+        </p:style>
+      </p:cxnSp>
+      <p:sp>
+        <p:nvSpPr>
+          <p:cNvPr id="44" name="TextBox 43">
+            <a:extLst>
+              <a:ext uri="{FF2B5EF4-FFF2-40B4-BE49-F238E27FC236}">
+                <a16:creationId xmlns:a16="http://schemas.microsoft.com/office/drawing/2014/main" id="{00215758-A6CD-4EEF-9A86-9B5A2259C07D}"/>
+              </a:ext>
+            </a:extLst>
+          </p:cNvPr>
+          <p:cNvSpPr txBox="1"/>
+          <p:nvPr/>
+        </p:nvSpPr>
+        <p:spPr>
+          <a:xfrm>
+            <a:off x="3289553" y="965593"/>
+            <a:ext cx="5950537" cy="707886"/>
+          </a:xfrm>
+          <a:prstGeom prst="rect">
+            <a:avLst/>
+          </a:prstGeom>
+          <a:noFill/>
+        </p:spPr>
+        <p:txBody>
+          <a:bodyPr wrap="square" rtlCol="0">
+            <a:spAutoFit/>
+          </a:bodyPr>
+          <a:lstStyle/>
+          <a:p>
+            <a:pPr algn="ctr"/>
+            <a:r>
+              <a:rPr lang="ko-KR" altLang="en-US" sz="2000" dirty="0">
+                <a:ln>
+                  <a:solidFill>
+                    <a:schemeClr val="tx1">
+                      <a:alpha val="30000"/>
+                    </a:schemeClr>
+                  </a:solidFill>
+                </a:ln>
+                <a:solidFill>
+                  <a:srgbClr val="272123"/>
+                </a:solidFill>
+                <a:latin typeface="나눔고딕 ExtraBold" panose="020D0904000000000000" pitchFamily="50" charset="-127"/>
+                <a:ea typeface="나눔고딕 ExtraBold" panose="020D0904000000000000" pitchFamily="50" charset="-127"/>
+              </a:rPr>
+              <a:t>평균 제곱 오차</a:t>
+            </a:r>
+            <a:r>
+              <a:rPr lang="en-US" altLang="ko-KR" sz="2000" dirty="0">
+                <a:ln>
+                  <a:solidFill>
+                    <a:schemeClr val="tx1">
+                      <a:alpha val="30000"/>
+                    </a:schemeClr>
+                  </a:solidFill>
+                </a:ln>
+                <a:solidFill>
+                  <a:srgbClr val="272123"/>
+                </a:solidFill>
+                <a:latin typeface="나눔고딕 ExtraBold" panose="020D0904000000000000" pitchFamily="50" charset="-127"/>
+                <a:ea typeface="나눔고딕 ExtraBold" panose="020D0904000000000000" pitchFamily="50" charset="-127"/>
+              </a:rPr>
+              <a:t>(Mean Squared Error)</a:t>
+            </a:r>
+          </a:p>
+          <a:p>
+            <a:pPr algn="ctr"/>
+            <a:r>
+              <a:rPr lang="en-US" altLang="ko-KR" sz="2000" dirty="0">
+                <a:ln>
+                  <a:solidFill>
+                    <a:schemeClr val="tx1">
+                      <a:alpha val="30000"/>
+                    </a:schemeClr>
+                  </a:solidFill>
+                </a:ln>
+                <a:solidFill>
+                  <a:srgbClr val="272123"/>
+                </a:solidFill>
+                <a:latin typeface="나눔고딕 ExtraBold" panose="020D0904000000000000" pitchFamily="50" charset="-127"/>
+                <a:ea typeface="나눔고딕 ExtraBold" panose="020D0904000000000000" pitchFamily="50" charset="-127"/>
+              </a:rPr>
+              <a:t>= </a:t>
+            </a:r>
+            <a:r>
+              <a:rPr lang="ko-KR" altLang="en-US" sz="2000" dirty="0">
+                <a:ln>
+                  <a:solidFill>
+                    <a:schemeClr val="tx1">
+                      <a:alpha val="30000"/>
+                    </a:schemeClr>
+                  </a:solidFill>
+                </a:ln>
+                <a:solidFill>
+                  <a:srgbClr val="272123"/>
+                </a:solidFill>
+                <a:latin typeface="나눔고딕 ExtraBold" panose="020D0904000000000000" pitchFamily="50" charset="-127"/>
+                <a:ea typeface="나눔고딕 ExtraBold" panose="020D0904000000000000" pitchFamily="50" charset="-127"/>
+              </a:rPr>
+              <a:t>오차 </a:t>
+            </a:r>
+            <a:r>
+              <a:rPr lang="ko-KR" altLang="en-US" sz="2000" dirty="0" err="1">
+                <a:ln>
+                  <a:solidFill>
+                    <a:schemeClr val="tx1">
+                      <a:alpha val="30000"/>
+                    </a:schemeClr>
+                  </a:solidFill>
+                </a:ln>
+                <a:solidFill>
+                  <a:srgbClr val="272123"/>
+                </a:solidFill>
+                <a:latin typeface="나눔고딕 ExtraBold" panose="020D0904000000000000" pitchFamily="50" charset="-127"/>
+                <a:ea typeface="나눔고딕 ExtraBold" panose="020D0904000000000000" pitchFamily="50" charset="-127"/>
+              </a:rPr>
+              <a:t>제곱한거</a:t>
+            </a:r>
+            <a:r>
+              <a:rPr lang="ko-KR" altLang="en-US" sz="2000" dirty="0">
+                <a:ln>
+                  <a:solidFill>
+                    <a:schemeClr val="tx1">
+                      <a:alpha val="30000"/>
+                    </a:schemeClr>
+                  </a:solidFill>
+                </a:ln>
+                <a:solidFill>
+                  <a:srgbClr val="272123"/>
+                </a:solidFill>
+                <a:latin typeface="나눔고딕 ExtraBold" panose="020D0904000000000000" pitchFamily="50" charset="-127"/>
+                <a:ea typeface="나눔고딕 ExtraBold" panose="020D0904000000000000" pitchFamily="50" charset="-127"/>
+              </a:rPr>
+              <a:t> </a:t>
+            </a:r>
+            <a:r>
+              <a:rPr lang="en-US" altLang="ko-KR" sz="2000" dirty="0">
+                <a:ln>
+                  <a:solidFill>
+                    <a:schemeClr val="tx1">
+                      <a:alpha val="30000"/>
+                    </a:schemeClr>
+                  </a:solidFill>
+                </a:ln>
+                <a:solidFill>
+                  <a:srgbClr val="272123"/>
+                </a:solidFill>
+                <a:latin typeface="나눔고딕 ExtraBold" panose="020D0904000000000000" pitchFamily="50" charset="-127"/>
+                <a:ea typeface="나눔고딕 ExtraBold" panose="020D0904000000000000" pitchFamily="50" charset="-127"/>
+              </a:rPr>
+              <a:t>/ </a:t>
+            </a:r>
+            <a:r>
+              <a:rPr lang="ko-KR" altLang="en-US" sz="2000" dirty="0">
+                <a:ln>
+                  <a:solidFill>
+                    <a:schemeClr val="tx1">
+                      <a:alpha val="30000"/>
+                    </a:schemeClr>
+                  </a:solidFill>
+                </a:ln>
+                <a:solidFill>
+                  <a:srgbClr val="272123"/>
+                </a:solidFill>
+                <a:latin typeface="나눔고딕 ExtraBold" panose="020D0904000000000000" pitchFamily="50" charset="-127"/>
+                <a:ea typeface="나눔고딕 ExtraBold" panose="020D0904000000000000" pitchFamily="50" charset="-127"/>
+              </a:rPr>
+              <a:t>전체 개수</a:t>
+            </a:r>
+            <a:endParaRPr lang="en-US" altLang="ko-KR" sz="2000" dirty="0">
+              <a:ln>
+                <a:solidFill>
+                  <a:schemeClr val="tx1">
+                    <a:alpha val="30000"/>
+                  </a:schemeClr>
+                </a:solidFill>
+              </a:ln>
+              <a:solidFill>
+                <a:srgbClr val="272123"/>
+              </a:solidFill>
+              <a:latin typeface="나눔고딕 ExtraBold" panose="020D0904000000000000" pitchFamily="50" charset="-127"/>
+              <a:ea typeface="나눔고딕 ExtraBold" panose="020D0904000000000000" pitchFamily="50" charset="-127"/>
+            </a:endParaRPr>
+          </a:p>
+        </p:txBody>
+      </p:sp>
     </p:spTree>
     <p:extLst>
       <p:ext uri="{BB962C8B-B14F-4D97-AF65-F5344CB8AC3E}">
-        <p14:creationId xmlns:p14="http://schemas.microsoft.com/office/powerpoint/2010/main" val="590644072"/>
+        <p14:creationId xmlns:p14="http://schemas.microsoft.com/office/powerpoint/2010/main" val="34472107"/>
       </p:ext>
     </p:extLst>
   </p:cSld>
@@ -33768,6 +33170,2722 @@
           </a:p>
         </p:txBody>
       </p:sp>
+      <p:cxnSp>
+        <p:nvCxnSpPr>
+          <p:cNvPr id="35" name="직선 연결선 34">
+            <a:extLst>
+              <a:ext uri="{FF2B5EF4-FFF2-40B4-BE49-F238E27FC236}">
+                <a16:creationId xmlns:a16="http://schemas.microsoft.com/office/drawing/2014/main" id="{E3E09DA1-E58D-480D-B98F-4C6AE987FF5A}"/>
+              </a:ext>
+            </a:extLst>
+          </p:cNvPr>
+          <p:cNvCxnSpPr>
+            <a:cxnSpLocks/>
+          </p:cNvCxnSpPr>
+          <p:nvPr/>
+        </p:nvCxnSpPr>
+        <p:spPr>
+          <a:xfrm flipV="1">
+            <a:off x="1691214" y="3130603"/>
+            <a:ext cx="0" cy="3168352"/>
+          </a:xfrm>
+          <a:prstGeom prst="line">
+            <a:avLst/>
+          </a:prstGeom>
+          <a:ln w="76200">
+            <a:solidFill>
+              <a:schemeClr val="tx1"/>
+            </a:solidFill>
+          </a:ln>
+        </p:spPr>
+        <p:style>
+          <a:lnRef idx="1">
+            <a:schemeClr val="accent1"/>
+          </a:lnRef>
+          <a:fillRef idx="0">
+            <a:schemeClr val="accent1"/>
+          </a:fillRef>
+          <a:effectRef idx="0">
+            <a:schemeClr val="accent1"/>
+          </a:effectRef>
+          <a:fontRef idx="minor">
+            <a:schemeClr val="tx1"/>
+          </a:fontRef>
+        </p:style>
+      </p:cxnSp>
+      <p:cxnSp>
+        <p:nvCxnSpPr>
+          <p:cNvPr id="36" name="직선 연결선 35">
+            <a:extLst>
+              <a:ext uri="{FF2B5EF4-FFF2-40B4-BE49-F238E27FC236}">
+                <a16:creationId xmlns:a16="http://schemas.microsoft.com/office/drawing/2014/main" id="{76D9E22C-243F-4BAB-822D-54F03D3455BE}"/>
+              </a:ext>
+            </a:extLst>
+          </p:cNvPr>
+          <p:cNvCxnSpPr>
+            <a:cxnSpLocks/>
+          </p:cNvCxnSpPr>
+          <p:nvPr/>
+        </p:nvCxnSpPr>
+        <p:spPr>
+          <a:xfrm>
+            <a:off x="1691214" y="6298955"/>
+            <a:ext cx="6264696" cy="0"/>
+          </a:xfrm>
+          <a:prstGeom prst="line">
+            <a:avLst/>
+          </a:prstGeom>
+          <a:ln w="76200">
+            <a:solidFill>
+              <a:schemeClr val="tx1"/>
+            </a:solidFill>
+          </a:ln>
+        </p:spPr>
+        <p:style>
+          <a:lnRef idx="1">
+            <a:schemeClr val="accent1"/>
+          </a:lnRef>
+          <a:fillRef idx="0">
+            <a:schemeClr val="accent1"/>
+          </a:fillRef>
+          <a:effectRef idx="0">
+            <a:schemeClr val="accent1"/>
+          </a:effectRef>
+          <a:fontRef idx="minor">
+            <a:schemeClr val="tx1"/>
+          </a:fontRef>
+        </p:style>
+      </p:cxnSp>
+      <p:sp>
+        <p:nvSpPr>
+          <p:cNvPr id="37" name="TextBox 36">
+            <a:extLst>
+              <a:ext uri="{FF2B5EF4-FFF2-40B4-BE49-F238E27FC236}">
+                <a16:creationId xmlns:a16="http://schemas.microsoft.com/office/drawing/2014/main" id="{2392EF43-275A-4FCE-8A58-171E2C7C361B}"/>
+              </a:ext>
+            </a:extLst>
+          </p:cNvPr>
+          <p:cNvSpPr txBox="1"/>
+          <p:nvPr/>
+        </p:nvSpPr>
+        <p:spPr>
+          <a:xfrm>
+            <a:off x="950711" y="3121223"/>
+            <a:ext cx="740503" cy="307777"/>
+          </a:xfrm>
+          <a:prstGeom prst="rect">
+            <a:avLst/>
+          </a:prstGeom>
+          <a:noFill/>
+        </p:spPr>
+        <p:txBody>
+          <a:bodyPr wrap="square" rtlCol="0">
+            <a:spAutoFit/>
+          </a:bodyPr>
+          <a:lstStyle/>
+          <a:p>
+            <a:pPr algn="ctr"/>
+            <a:r>
+              <a:rPr lang="ko-KR" altLang="en-US" sz="1400" dirty="0">
+                <a:ln>
+                  <a:solidFill>
+                    <a:schemeClr val="tx1">
+                      <a:alpha val="30000"/>
+                    </a:schemeClr>
+                  </a:solidFill>
+                </a:ln>
+                <a:solidFill>
+                  <a:srgbClr val="272123"/>
+                </a:solidFill>
+                <a:latin typeface="나눔고딕 ExtraBold" panose="020D0904000000000000" pitchFamily="50" charset="-127"/>
+                <a:ea typeface="나눔고딕 ExtraBold" panose="020D0904000000000000" pitchFamily="50" charset="-127"/>
+              </a:rPr>
+              <a:t>가격</a:t>
+            </a:r>
+            <a:endParaRPr lang="en-US" altLang="ko-KR" sz="1400" dirty="0">
+              <a:ln>
+                <a:solidFill>
+                  <a:schemeClr val="tx1">
+                    <a:alpha val="30000"/>
+                  </a:schemeClr>
+                </a:solidFill>
+              </a:ln>
+              <a:solidFill>
+                <a:srgbClr val="272123"/>
+              </a:solidFill>
+              <a:latin typeface="나눔고딕 ExtraBold" panose="020D0904000000000000" pitchFamily="50" charset="-127"/>
+              <a:ea typeface="나눔고딕 ExtraBold" panose="020D0904000000000000" pitchFamily="50" charset="-127"/>
+            </a:endParaRPr>
+          </a:p>
+        </p:txBody>
+      </p:sp>
+      <p:sp>
+        <p:nvSpPr>
+          <p:cNvPr id="38" name="TextBox 37">
+            <a:extLst>
+              <a:ext uri="{FF2B5EF4-FFF2-40B4-BE49-F238E27FC236}">
+                <a16:creationId xmlns:a16="http://schemas.microsoft.com/office/drawing/2014/main" id="{C0195DF3-398B-4DCD-B328-4E740395959D}"/>
+              </a:ext>
+            </a:extLst>
+          </p:cNvPr>
+          <p:cNvSpPr txBox="1"/>
+          <p:nvPr/>
+        </p:nvSpPr>
+        <p:spPr>
+          <a:xfrm>
+            <a:off x="7434276" y="6331782"/>
+            <a:ext cx="737656" cy="307777"/>
+          </a:xfrm>
+          <a:prstGeom prst="rect">
+            <a:avLst/>
+          </a:prstGeom>
+          <a:noFill/>
+        </p:spPr>
+        <p:txBody>
+          <a:bodyPr wrap="square" rtlCol="0">
+            <a:spAutoFit/>
+          </a:bodyPr>
+          <a:lstStyle/>
+          <a:p>
+            <a:pPr algn="ctr"/>
+            <a:r>
+              <a:rPr lang="ko-KR" altLang="en-US" sz="1400" dirty="0" err="1">
+                <a:ln>
+                  <a:solidFill>
+                    <a:schemeClr val="tx1">
+                      <a:alpha val="30000"/>
+                    </a:schemeClr>
+                  </a:solidFill>
+                </a:ln>
+                <a:solidFill>
+                  <a:srgbClr val="272123"/>
+                </a:solidFill>
+                <a:latin typeface="나눔고딕 ExtraBold" panose="020D0904000000000000" pitchFamily="50" charset="-127"/>
+                <a:ea typeface="나눔고딕 ExtraBold" panose="020D0904000000000000" pitchFamily="50" charset="-127"/>
+              </a:rPr>
+              <a:t>범죄율</a:t>
+            </a:r>
+            <a:endParaRPr lang="en-US" altLang="ko-KR" sz="1400" dirty="0">
+              <a:ln>
+                <a:solidFill>
+                  <a:schemeClr val="tx1">
+                    <a:alpha val="30000"/>
+                  </a:schemeClr>
+                </a:solidFill>
+              </a:ln>
+              <a:solidFill>
+                <a:srgbClr val="272123"/>
+              </a:solidFill>
+              <a:latin typeface="나눔고딕 ExtraBold" panose="020D0904000000000000" pitchFamily="50" charset="-127"/>
+              <a:ea typeface="나눔고딕 ExtraBold" panose="020D0904000000000000" pitchFamily="50" charset="-127"/>
+            </a:endParaRPr>
+          </a:p>
+        </p:txBody>
+      </p:sp>
+      <p:sp>
+        <p:nvSpPr>
+          <p:cNvPr id="22" name="TextBox 21">
+            <a:extLst>
+              <a:ext uri="{FF2B5EF4-FFF2-40B4-BE49-F238E27FC236}">
+                <a16:creationId xmlns:a16="http://schemas.microsoft.com/office/drawing/2014/main" id="{33D010A5-8B1B-4472-90F1-B5BF5FE361C9}"/>
+              </a:ext>
+            </a:extLst>
+          </p:cNvPr>
+          <p:cNvSpPr txBox="1"/>
+          <p:nvPr/>
+        </p:nvSpPr>
+        <p:spPr>
+          <a:xfrm>
+            <a:off x="6672667" y="1111984"/>
+            <a:ext cx="2283075" cy="738664"/>
+          </a:xfrm>
+          <a:prstGeom prst="rect">
+            <a:avLst/>
+          </a:prstGeom>
+          <a:noFill/>
+        </p:spPr>
+        <p:txBody>
+          <a:bodyPr wrap="square" rtlCol="0">
+            <a:spAutoFit/>
+          </a:bodyPr>
+          <a:lstStyle/>
+          <a:p>
+            <a:pPr algn="ctr"/>
+            <a:r>
+              <a:rPr lang="en-US" altLang="ko-KR" sz="1400" dirty="0">
+                <a:ln>
+                  <a:solidFill>
+                    <a:schemeClr val="tx1">
+                      <a:alpha val="30000"/>
+                    </a:schemeClr>
+                  </a:solidFill>
+                </a:ln>
+                <a:solidFill>
+                  <a:srgbClr val="272123"/>
+                </a:solidFill>
+                <a:latin typeface="나눔고딕 ExtraBold" panose="020D0904000000000000" pitchFamily="50" charset="-127"/>
+                <a:ea typeface="나눔고딕 ExtraBold" panose="020D0904000000000000" pitchFamily="50" charset="-127"/>
+              </a:rPr>
+              <a:t>Long </a:t>
+            </a:r>
+            <a:r>
+              <a:rPr lang="en-US" altLang="ko-KR" sz="1400" dirty="0" err="1">
+                <a:ln>
+                  <a:solidFill>
+                    <a:schemeClr val="tx1">
+                      <a:alpha val="30000"/>
+                    </a:schemeClr>
+                  </a:solidFill>
+                </a:ln>
+                <a:solidFill>
+                  <a:srgbClr val="272123"/>
+                </a:solidFill>
+                <a:latin typeface="나눔고딕 ExtraBold" panose="020D0904000000000000" pitchFamily="50" charset="-127"/>
+                <a:ea typeface="나눔고딕 ExtraBold" panose="020D0904000000000000" pitchFamily="50" charset="-127"/>
+              </a:rPr>
+              <a:t>housePrice</a:t>
+            </a:r>
+            <a:r>
+              <a:rPr lang="en-US" altLang="ko-KR" sz="1400" dirty="0">
+                <a:ln>
+                  <a:solidFill>
+                    <a:schemeClr val="tx1">
+                      <a:alpha val="30000"/>
+                    </a:schemeClr>
+                  </a:solidFill>
+                </a:ln>
+                <a:solidFill>
+                  <a:srgbClr val="272123"/>
+                </a:solidFill>
+                <a:latin typeface="나눔고딕 ExtraBold" panose="020D0904000000000000" pitchFamily="50" charset="-127"/>
+                <a:ea typeface="나눔고딕 ExtraBold" panose="020D0904000000000000" pitchFamily="50" charset="-127"/>
+              </a:rPr>
+              <a:t> =</a:t>
+            </a:r>
+          </a:p>
+          <a:p>
+            <a:pPr algn="ctr"/>
+            <a:r>
+              <a:rPr lang="en-US" altLang="ko-KR" sz="1400" dirty="0">
+                <a:ln>
+                  <a:solidFill>
+                    <a:schemeClr val="tx1">
+                      <a:alpha val="30000"/>
+                    </a:schemeClr>
+                  </a:solidFill>
+                </a:ln>
+                <a:solidFill>
+                  <a:srgbClr val="272123"/>
+                </a:solidFill>
+                <a:latin typeface="나눔고딕 ExtraBold" panose="020D0904000000000000" pitchFamily="50" charset="-127"/>
+                <a:ea typeface="나눔고딕 ExtraBold" panose="020D0904000000000000" pitchFamily="50" charset="-127"/>
+              </a:rPr>
+              <a:t> 100000000 (1</a:t>
+            </a:r>
+            <a:r>
+              <a:rPr lang="ko-KR" altLang="en-US" sz="1400" dirty="0">
+                <a:ln>
+                  <a:solidFill>
+                    <a:schemeClr val="tx1">
+                      <a:alpha val="30000"/>
+                    </a:schemeClr>
+                  </a:solidFill>
+                </a:ln>
+                <a:solidFill>
+                  <a:srgbClr val="272123"/>
+                </a:solidFill>
+                <a:latin typeface="나눔고딕 ExtraBold" panose="020D0904000000000000" pitchFamily="50" charset="-127"/>
+                <a:ea typeface="나눔고딕 ExtraBold" panose="020D0904000000000000" pitchFamily="50" charset="-127"/>
+              </a:rPr>
+              <a:t>억</a:t>
+            </a:r>
+            <a:r>
+              <a:rPr lang="en-US" altLang="ko-KR" sz="1400" dirty="0">
+                <a:ln>
+                  <a:solidFill>
+                    <a:schemeClr val="tx1">
+                      <a:alpha val="30000"/>
+                    </a:schemeClr>
+                  </a:solidFill>
+                </a:ln>
+                <a:solidFill>
+                  <a:srgbClr val="272123"/>
+                </a:solidFill>
+                <a:latin typeface="나눔고딕 ExtraBold" panose="020D0904000000000000" pitchFamily="50" charset="-127"/>
+                <a:ea typeface="나눔고딕 ExtraBold" panose="020D0904000000000000" pitchFamily="50" charset="-127"/>
+              </a:rPr>
+              <a:t>)</a:t>
+            </a:r>
+          </a:p>
+          <a:p>
+            <a:pPr algn="ctr"/>
+            <a:r>
+              <a:rPr lang="en-US" altLang="ko-KR" sz="1400" dirty="0">
+                <a:ln>
+                  <a:solidFill>
+                    <a:schemeClr val="tx1">
+                      <a:alpha val="30000"/>
+                    </a:schemeClr>
+                  </a:solidFill>
+                </a:ln>
+                <a:solidFill>
+                  <a:srgbClr val="272123"/>
+                </a:solidFill>
+                <a:latin typeface="나눔고딕 ExtraBold" panose="020D0904000000000000" pitchFamily="50" charset="-127"/>
+                <a:ea typeface="나눔고딕 ExtraBold" panose="020D0904000000000000" pitchFamily="50" charset="-127"/>
+              </a:rPr>
+              <a:t>- </a:t>
+            </a:r>
+            <a:r>
+              <a:rPr lang="ko-KR" altLang="en-US" sz="1400" dirty="0" err="1">
+                <a:ln>
+                  <a:solidFill>
+                    <a:schemeClr val="tx1">
+                      <a:alpha val="30000"/>
+                    </a:schemeClr>
+                  </a:solidFill>
+                </a:ln>
+                <a:solidFill>
+                  <a:srgbClr val="272123"/>
+                </a:solidFill>
+                <a:latin typeface="나눔고딕 ExtraBold" panose="020D0904000000000000" pitchFamily="50" charset="-127"/>
+                <a:ea typeface="나눔고딕 ExtraBold" panose="020D0904000000000000" pitchFamily="50" charset="-127"/>
+              </a:rPr>
+              <a:t>범죄율</a:t>
+            </a:r>
+            <a:r>
+              <a:rPr lang="ko-KR" altLang="en-US" sz="1400" dirty="0">
+                <a:ln>
+                  <a:solidFill>
+                    <a:schemeClr val="tx1">
+                      <a:alpha val="30000"/>
+                    </a:schemeClr>
+                  </a:solidFill>
+                </a:ln>
+                <a:solidFill>
+                  <a:srgbClr val="272123"/>
+                </a:solidFill>
+                <a:latin typeface="나눔고딕 ExtraBold" panose="020D0904000000000000" pitchFamily="50" charset="-127"/>
+                <a:ea typeface="나눔고딕 ExtraBold" panose="020D0904000000000000" pitchFamily="50" charset="-127"/>
+              </a:rPr>
+              <a:t> </a:t>
+            </a:r>
+            <a:r>
+              <a:rPr lang="en-US" altLang="ko-KR" sz="1400" dirty="0">
+                <a:ln>
+                  <a:solidFill>
+                    <a:schemeClr val="tx1">
+                      <a:alpha val="30000"/>
+                    </a:schemeClr>
+                  </a:solidFill>
+                </a:ln>
+                <a:solidFill>
+                  <a:srgbClr val="272123"/>
+                </a:solidFill>
+                <a:latin typeface="나눔고딕 ExtraBold" panose="020D0904000000000000" pitchFamily="50" charset="-127"/>
+                <a:ea typeface="나눔고딕 ExtraBold" panose="020D0904000000000000" pitchFamily="50" charset="-127"/>
+              </a:rPr>
+              <a:t>* </a:t>
+            </a:r>
+            <a:r>
+              <a:rPr lang="en-US" altLang="ko-KR" sz="1400" dirty="0">
+                <a:ln>
+                  <a:solidFill>
+                    <a:schemeClr val="tx1">
+                      <a:alpha val="30000"/>
+                    </a:schemeClr>
+                  </a:solidFill>
+                </a:ln>
+                <a:solidFill>
+                  <a:srgbClr val="FF0000"/>
+                </a:solidFill>
+                <a:latin typeface="나눔고딕 ExtraBold" panose="020D0904000000000000" pitchFamily="50" charset="-127"/>
+                <a:ea typeface="나눔고딕 ExtraBold" panose="020D0904000000000000" pitchFamily="50" charset="-127"/>
+              </a:rPr>
+              <a:t>2534</a:t>
+            </a:r>
+            <a:r>
+              <a:rPr lang="ko-KR" altLang="en-US" sz="1400" dirty="0">
+                <a:ln>
+                  <a:solidFill>
+                    <a:schemeClr val="tx1">
+                      <a:alpha val="30000"/>
+                    </a:schemeClr>
+                  </a:solidFill>
+                </a:ln>
+                <a:solidFill>
+                  <a:srgbClr val="FF0000"/>
+                </a:solidFill>
+                <a:latin typeface="나눔고딕 ExtraBold" panose="020D0904000000000000" pitchFamily="50" charset="-127"/>
+                <a:ea typeface="나눔고딕 ExtraBold" panose="020D0904000000000000" pitchFamily="50" charset="-127"/>
+              </a:rPr>
+              <a:t>만원</a:t>
+            </a:r>
+            <a:endParaRPr lang="en-US" altLang="ko-KR" sz="1400" dirty="0">
+              <a:ln>
+                <a:solidFill>
+                  <a:schemeClr val="tx1">
+                    <a:alpha val="30000"/>
+                  </a:schemeClr>
+                </a:solidFill>
+              </a:ln>
+              <a:solidFill>
+                <a:srgbClr val="272123"/>
+              </a:solidFill>
+              <a:latin typeface="나눔고딕 ExtraBold" panose="020D0904000000000000" pitchFamily="50" charset="-127"/>
+              <a:ea typeface="나눔고딕 ExtraBold" panose="020D0904000000000000" pitchFamily="50" charset="-127"/>
+            </a:endParaRPr>
+          </a:p>
+        </p:txBody>
+      </p:sp>
+      <p:sp>
+        <p:nvSpPr>
+          <p:cNvPr id="26" name="직사각형 25">
+            <a:extLst>
+              <a:ext uri="{FF2B5EF4-FFF2-40B4-BE49-F238E27FC236}">
+                <a16:creationId xmlns:a16="http://schemas.microsoft.com/office/drawing/2014/main" id="{B96D63B7-E393-488B-8BAC-AC31E7A9D79F}"/>
+              </a:ext>
+            </a:extLst>
+          </p:cNvPr>
+          <p:cNvSpPr/>
+          <p:nvPr/>
+        </p:nvSpPr>
+        <p:spPr>
+          <a:xfrm>
+            <a:off x="6700383" y="853558"/>
+            <a:ext cx="2336113" cy="1251566"/>
+          </a:xfrm>
+          <a:prstGeom prst="rect">
+            <a:avLst/>
+          </a:prstGeom>
+          <a:noFill/>
+          <a:ln w="76200">
+            <a:solidFill>
+              <a:schemeClr val="tx1"/>
+            </a:solidFill>
+          </a:ln>
+        </p:spPr>
+        <p:style>
+          <a:lnRef idx="2">
+            <a:schemeClr val="accent1">
+              <a:shade val="50000"/>
+            </a:schemeClr>
+          </a:lnRef>
+          <a:fillRef idx="1">
+            <a:schemeClr val="accent1"/>
+          </a:fillRef>
+          <a:effectRef idx="0">
+            <a:schemeClr val="accent1"/>
+          </a:effectRef>
+          <a:fontRef idx="minor">
+            <a:schemeClr val="lt1"/>
+          </a:fontRef>
+        </p:style>
+        <p:txBody>
+          <a:bodyPr rtlCol="0" anchor="ctr"/>
+          <a:lstStyle/>
+          <a:p>
+            <a:pPr algn="ctr"/>
+            <a:endParaRPr lang="ko-KR" altLang="en-US"/>
+          </a:p>
+        </p:txBody>
+      </p:sp>
+      <p:sp>
+        <p:nvSpPr>
+          <p:cNvPr id="2" name="타원 1">
+            <a:extLst>
+              <a:ext uri="{FF2B5EF4-FFF2-40B4-BE49-F238E27FC236}">
+                <a16:creationId xmlns:a16="http://schemas.microsoft.com/office/drawing/2014/main" id="{6FD2FCEC-04D2-4A0F-A9F8-A9874343A191}"/>
+              </a:ext>
+            </a:extLst>
+          </p:cNvPr>
+          <p:cNvSpPr/>
+          <p:nvPr/>
+        </p:nvSpPr>
+        <p:spPr>
+          <a:xfrm>
+            <a:off x="2378595" y="3472174"/>
+            <a:ext cx="71997" cy="45719"/>
+          </a:xfrm>
+          <a:prstGeom prst="ellipse">
+            <a:avLst/>
+          </a:prstGeom>
+        </p:spPr>
+        <p:style>
+          <a:lnRef idx="2">
+            <a:schemeClr val="accent1">
+              <a:shade val="50000"/>
+            </a:schemeClr>
+          </a:lnRef>
+          <a:fillRef idx="1">
+            <a:schemeClr val="accent1"/>
+          </a:fillRef>
+          <a:effectRef idx="0">
+            <a:schemeClr val="accent1"/>
+          </a:effectRef>
+          <a:fontRef idx="minor">
+            <a:schemeClr val="lt1"/>
+          </a:fontRef>
+        </p:style>
+        <p:txBody>
+          <a:bodyPr rtlCol="0" anchor="ctr"/>
+          <a:lstStyle/>
+          <a:p>
+            <a:pPr algn="ctr"/>
+            <a:endParaRPr lang="ko-KR" altLang="en-US"/>
+          </a:p>
+        </p:txBody>
+      </p:sp>
+      <p:sp>
+        <p:nvSpPr>
+          <p:cNvPr id="30" name="타원 29">
+            <a:extLst>
+              <a:ext uri="{FF2B5EF4-FFF2-40B4-BE49-F238E27FC236}">
+                <a16:creationId xmlns:a16="http://schemas.microsoft.com/office/drawing/2014/main" id="{E70E412D-C220-46C6-90FD-74260663C6CD}"/>
+              </a:ext>
+            </a:extLst>
+          </p:cNvPr>
+          <p:cNvSpPr/>
+          <p:nvPr/>
+        </p:nvSpPr>
+        <p:spPr>
+          <a:xfrm>
+            <a:off x="2495102" y="4563142"/>
+            <a:ext cx="71997" cy="45719"/>
+          </a:xfrm>
+          <a:prstGeom prst="ellipse">
+            <a:avLst/>
+          </a:prstGeom>
+        </p:spPr>
+        <p:style>
+          <a:lnRef idx="2">
+            <a:schemeClr val="accent1">
+              <a:shade val="50000"/>
+            </a:schemeClr>
+          </a:lnRef>
+          <a:fillRef idx="1">
+            <a:schemeClr val="accent1"/>
+          </a:fillRef>
+          <a:effectRef idx="0">
+            <a:schemeClr val="accent1"/>
+          </a:effectRef>
+          <a:fontRef idx="minor">
+            <a:schemeClr val="lt1"/>
+          </a:fontRef>
+        </p:style>
+        <p:txBody>
+          <a:bodyPr rtlCol="0" anchor="ctr"/>
+          <a:lstStyle/>
+          <a:p>
+            <a:pPr algn="ctr"/>
+            <a:endParaRPr lang="ko-KR" altLang="en-US"/>
+          </a:p>
+        </p:txBody>
+      </p:sp>
+      <p:sp>
+        <p:nvSpPr>
+          <p:cNvPr id="31" name="타원 30">
+            <a:extLst>
+              <a:ext uri="{FF2B5EF4-FFF2-40B4-BE49-F238E27FC236}">
+                <a16:creationId xmlns:a16="http://schemas.microsoft.com/office/drawing/2014/main" id="{CECD7FCA-80C8-46DD-A6D5-FD30C337C69F}"/>
+              </a:ext>
+            </a:extLst>
+          </p:cNvPr>
+          <p:cNvSpPr/>
+          <p:nvPr/>
+        </p:nvSpPr>
+        <p:spPr>
+          <a:xfrm>
+            <a:off x="4054417" y="4309791"/>
+            <a:ext cx="71997" cy="45719"/>
+          </a:xfrm>
+          <a:prstGeom prst="ellipse">
+            <a:avLst/>
+          </a:prstGeom>
+        </p:spPr>
+        <p:style>
+          <a:lnRef idx="2">
+            <a:schemeClr val="accent1">
+              <a:shade val="50000"/>
+            </a:schemeClr>
+          </a:lnRef>
+          <a:fillRef idx="1">
+            <a:schemeClr val="accent1"/>
+          </a:fillRef>
+          <a:effectRef idx="0">
+            <a:schemeClr val="accent1"/>
+          </a:effectRef>
+          <a:fontRef idx="minor">
+            <a:schemeClr val="lt1"/>
+          </a:fontRef>
+        </p:style>
+        <p:txBody>
+          <a:bodyPr rtlCol="0" anchor="ctr"/>
+          <a:lstStyle/>
+          <a:p>
+            <a:pPr algn="ctr"/>
+            <a:endParaRPr lang="ko-KR" altLang="en-US"/>
+          </a:p>
+        </p:txBody>
+      </p:sp>
+      <p:sp>
+        <p:nvSpPr>
+          <p:cNvPr id="32" name="타원 31">
+            <a:extLst>
+              <a:ext uri="{FF2B5EF4-FFF2-40B4-BE49-F238E27FC236}">
+                <a16:creationId xmlns:a16="http://schemas.microsoft.com/office/drawing/2014/main" id="{0B506574-C261-43FC-AF32-6D0E22EC23AD}"/>
+              </a:ext>
+            </a:extLst>
+          </p:cNvPr>
+          <p:cNvSpPr/>
+          <p:nvPr/>
+        </p:nvSpPr>
+        <p:spPr>
+          <a:xfrm>
+            <a:off x="4896215" y="5122180"/>
+            <a:ext cx="71997" cy="45719"/>
+          </a:xfrm>
+          <a:prstGeom prst="ellipse">
+            <a:avLst/>
+          </a:prstGeom>
+        </p:spPr>
+        <p:style>
+          <a:lnRef idx="2">
+            <a:schemeClr val="accent1">
+              <a:shade val="50000"/>
+            </a:schemeClr>
+          </a:lnRef>
+          <a:fillRef idx="1">
+            <a:schemeClr val="accent1"/>
+          </a:fillRef>
+          <a:effectRef idx="0">
+            <a:schemeClr val="accent1"/>
+          </a:effectRef>
+          <a:fontRef idx="minor">
+            <a:schemeClr val="lt1"/>
+          </a:fontRef>
+        </p:style>
+        <p:txBody>
+          <a:bodyPr rtlCol="0" anchor="ctr"/>
+          <a:lstStyle/>
+          <a:p>
+            <a:pPr algn="ctr"/>
+            <a:endParaRPr lang="ko-KR" altLang="en-US"/>
+          </a:p>
+        </p:txBody>
+      </p:sp>
+      <p:sp>
+        <p:nvSpPr>
+          <p:cNvPr id="33" name="타원 32">
+            <a:extLst>
+              <a:ext uri="{FF2B5EF4-FFF2-40B4-BE49-F238E27FC236}">
+                <a16:creationId xmlns:a16="http://schemas.microsoft.com/office/drawing/2014/main" id="{5577E9C9-60CF-4BE9-BC95-51E6BF46530D}"/>
+              </a:ext>
+            </a:extLst>
+          </p:cNvPr>
+          <p:cNvSpPr/>
+          <p:nvPr/>
+        </p:nvSpPr>
+        <p:spPr>
+          <a:xfrm>
+            <a:off x="5904327" y="4748871"/>
+            <a:ext cx="71997" cy="45719"/>
+          </a:xfrm>
+          <a:prstGeom prst="ellipse">
+            <a:avLst/>
+          </a:prstGeom>
+        </p:spPr>
+        <p:style>
+          <a:lnRef idx="2">
+            <a:schemeClr val="accent1">
+              <a:shade val="50000"/>
+            </a:schemeClr>
+          </a:lnRef>
+          <a:fillRef idx="1">
+            <a:schemeClr val="accent1"/>
+          </a:fillRef>
+          <a:effectRef idx="0">
+            <a:schemeClr val="accent1"/>
+          </a:effectRef>
+          <a:fontRef idx="minor">
+            <a:schemeClr val="lt1"/>
+          </a:fontRef>
+        </p:style>
+        <p:txBody>
+          <a:bodyPr rtlCol="0" anchor="ctr"/>
+          <a:lstStyle/>
+          <a:p>
+            <a:pPr algn="ctr"/>
+            <a:endParaRPr lang="ko-KR" altLang="en-US"/>
+          </a:p>
+        </p:txBody>
+      </p:sp>
+      <p:sp>
+        <p:nvSpPr>
+          <p:cNvPr id="34" name="타원 33">
+            <a:extLst>
+              <a:ext uri="{FF2B5EF4-FFF2-40B4-BE49-F238E27FC236}">
+                <a16:creationId xmlns:a16="http://schemas.microsoft.com/office/drawing/2014/main" id="{4702EB72-08F4-46C7-B83E-48FC3CBE3886}"/>
+              </a:ext>
+            </a:extLst>
+          </p:cNvPr>
+          <p:cNvSpPr/>
+          <p:nvPr/>
+        </p:nvSpPr>
+        <p:spPr>
+          <a:xfrm>
+            <a:off x="6156360" y="5383861"/>
+            <a:ext cx="71997" cy="45719"/>
+          </a:xfrm>
+          <a:prstGeom prst="ellipse">
+            <a:avLst/>
+          </a:prstGeom>
+        </p:spPr>
+        <p:style>
+          <a:lnRef idx="2">
+            <a:schemeClr val="accent1">
+              <a:shade val="50000"/>
+            </a:schemeClr>
+          </a:lnRef>
+          <a:fillRef idx="1">
+            <a:schemeClr val="accent1"/>
+          </a:fillRef>
+          <a:effectRef idx="0">
+            <a:schemeClr val="accent1"/>
+          </a:effectRef>
+          <a:fontRef idx="minor">
+            <a:schemeClr val="lt1"/>
+          </a:fontRef>
+        </p:style>
+        <p:txBody>
+          <a:bodyPr rtlCol="0" anchor="ctr"/>
+          <a:lstStyle/>
+          <a:p>
+            <a:pPr algn="ctr"/>
+            <a:endParaRPr lang="ko-KR" altLang="en-US"/>
+          </a:p>
+        </p:txBody>
+      </p:sp>
+      <p:sp>
+        <p:nvSpPr>
+          <p:cNvPr id="40" name="타원 39">
+            <a:extLst>
+              <a:ext uri="{FF2B5EF4-FFF2-40B4-BE49-F238E27FC236}">
+                <a16:creationId xmlns:a16="http://schemas.microsoft.com/office/drawing/2014/main" id="{3E591A3F-567E-4110-8ED0-B47FE2565849}"/>
+              </a:ext>
+            </a:extLst>
+          </p:cNvPr>
+          <p:cNvSpPr/>
+          <p:nvPr/>
+        </p:nvSpPr>
+        <p:spPr>
+          <a:xfrm>
+            <a:off x="6840431" y="5456132"/>
+            <a:ext cx="71997" cy="45719"/>
+          </a:xfrm>
+          <a:prstGeom prst="ellipse">
+            <a:avLst/>
+          </a:prstGeom>
+        </p:spPr>
+        <p:style>
+          <a:lnRef idx="2">
+            <a:schemeClr val="accent1">
+              <a:shade val="50000"/>
+            </a:schemeClr>
+          </a:lnRef>
+          <a:fillRef idx="1">
+            <a:schemeClr val="accent1"/>
+          </a:fillRef>
+          <a:effectRef idx="0">
+            <a:schemeClr val="accent1"/>
+          </a:effectRef>
+          <a:fontRef idx="minor">
+            <a:schemeClr val="lt1"/>
+          </a:fontRef>
+        </p:style>
+        <p:txBody>
+          <a:bodyPr rtlCol="0" anchor="ctr"/>
+          <a:lstStyle/>
+          <a:p>
+            <a:pPr algn="ctr"/>
+            <a:endParaRPr lang="ko-KR" altLang="en-US"/>
+          </a:p>
+        </p:txBody>
+      </p:sp>
+      <p:sp>
+        <p:nvSpPr>
+          <p:cNvPr id="41" name="타원 40">
+            <a:extLst>
+              <a:ext uri="{FF2B5EF4-FFF2-40B4-BE49-F238E27FC236}">
+                <a16:creationId xmlns:a16="http://schemas.microsoft.com/office/drawing/2014/main" id="{D370CBF7-7D8B-4FFF-8453-5C5B695ED343}"/>
+              </a:ext>
+            </a:extLst>
+          </p:cNvPr>
+          <p:cNvSpPr/>
+          <p:nvPr/>
+        </p:nvSpPr>
+        <p:spPr>
+          <a:xfrm>
+            <a:off x="6678848" y="5689932"/>
+            <a:ext cx="71997" cy="45719"/>
+          </a:xfrm>
+          <a:prstGeom prst="ellipse">
+            <a:avLst/>
+          </a:prstGeom>
+        </p:spPr>
+        <p:style>
+          <a:lnRef idx="2">
+            <a:schemeClr val="accent1">
+              <a:shade val="50000"/>
+            </a:schemeClr>
+          </a:lnRef>
+          <a:fillRef idx="1">
+            <a:schemeClr val="accent1"/>
+          </a:fillRef>
+          <a:effectRef idx="0">
+            <a:schemeClr val="accent1"/>
+          </a:effectRef>
+          <a:fontRef idx="minor">
+            <a:schemeClr val="lt1"/>
+          </a:fontRef>
+        </p:style>
+        <p:txBody>
+          <a:bodyPr rtlCol="0" anchor="ctr"/>
+          <a:lstStyle/>
+          <a:p>
+            <a:pPr algn="ctr"/>
+            <a:endParaRPr lang="ko-KR" altLang="en-US"/>
+          </a:p>
+        </p:txBody>
+      </p:sp>
+      <p:cxnSp>
+        <p:nvCxnSpPr>
+          <p:cNvPr id="25" name="직선 연결선 24">
+            <a:extLst>
+              <a:ext uri="{FF2B5EF4-FFF2-40B4-BE49-F238E27FC236}">
+                <a16:creationId xmlns:a16="http://schemas.microsoft.com/office/drawing/2014/main" id="{E6C209A7-793E-4346-80F7-2208A2D2B3A1}"/>
+              </a:ext>
+            </a:extLst>
+          </p:cNvPr>
+          <p:cNvCxnSpPr>
+            <a:cxnSpLocks/>
+          </p:cNvCxnSpPr>
+          <p:nvPr/>
+        </p:nvCxnSpPr>
+        <p:spPr>
+          <a:xfrm flipV="1">
+            <a:off x="3131840" y="692696"/>
+            <a:ext cx="0" cy="1465421"/>
+          </a:xfrm>
+          <a:prstGeom prst="line">
+            <a:avLst/>
+          </a:prstGeom>
+          <a:ln w="76200">
+            <a:solidFill>
+              <a:schemeClr val="tx1"/>
+            </a:solidFill>
+          </a:ln>
+        </p:spPr>
+        <p:style>
+          <a:lnRef idx="1">
+            <a:schemeClr val="accent1"/>
+          </a:lnRef>
+          <a:fillRef idx="0">
+            <a:schemeClr val="accent1"/>
+          </a:fillRef>
+          <a:effectRef idx="0">
+            <a:schemeClr val="accent1"/>
+          </a:effectRef>
+          <a:fontRef idx="minor">
+            <a:schemeClr val="tx1"/>
+          </a:fontRef>
+        </p:style>
+      </p:cxnSp>
+      <p:cxnSp>
+        <p:nvCxnSpPr>
+          <p:cNvPr id="39" name="직선 연결선 38">
+            <a:extLst>
+              <a:ext uri="{FF2B5EF4-FFF2-40B4-BE49-F238E27FC236}">
+                <a16:creationId xmlns:a16="http://schemas.microsoft.com/office/drawing/2014/main" id="{81CF36BF-36ED-45E6-8553-AFC14DA6ED87}"/>
+              </a:ext>
+            </a:extLst>
+          </p:cNvPr>
+          <p:cNvCxnSpPr>
+            <a:cxnSpLocks/>
+          </p:cNvCxnSpPr>
+          <p:nvPr/>
+        </p:nvCxnSpPr>
+        <p:spPr>
+          <a:xfrm>
+            <a:off x="3131840" y="2158117"/>
+            <a:ext cx="3168352" cy="0"/>
+          </a:xfrm>
+          <a:prstGeom prst="line">
+            <a:avLst/>
+          </a:prstGeom>
+          <a:ln w="76200">
+            <a:solidFill>
+              <a:schemeClr val="tx1"/>
+            </a:solidFill>
+          </a:ln>
+        </p:spPr>
+        <p:style>
+          <a:lnRef idx="1">
+            <a:schemeClr val="accent1"/>
+          </a:lnRef>
+          <a:fillRef idx="0">
+            <a:schemeClr val="accent1"/>
+          </a:fillRef>
+          <a:effectRef idx="0">
+            <a:schemeClr val="accent1"/>
+          </a:effectRef>
+          <a:fontRef idx="minor">
+            <a:schemeClr val="tx1"/>
+          </a:fontRef>
+        </p:style>
+      </p:cxnSp>
+      <p:sp>
+        <p:nvSpPr>
+          <p:cNvPr id="42" name="TextBox 41">
+            <a:extLst>
+              <a:ext uri="{FF2B5EF4-FFF2-40B4-BE49-F238E27FC236}">
+                <a16:creationId xmlns:a16="http://schemas.microsoft.com/office/drawing/2014/main" id="{192F34C6-8D63-4B20-9472-8B7338C9EFA6}"/>
+              </a:ext>
+            </a:extLst>
+          </p:cNvPr>
+          <p:cNvSpPr txBox="1"/>
+          <p:nvPr/>
+        </p:nvSpPr>
+        <p:spPr>
+          <a:xfrm>
+            <a:off x="5685663" y="2236107"/>
+            <a:ext cx="737656" cy="307777"/>
+          </a:xfrm>
+          <a:prstGeom prst="rect">
+            <a:avLst/>
+          </a:prstGeom>
+          <a:noFill/>
+        </p:spPr>
+        <p:txBody>
+          <a:bodyPr wrap="square" rtlCol="0">
+            <a:spAutoFit/>
+          </a:bodyPr>
+          <a:lstStyle/>
+          <a:p>
+            <a:pPr algn="ctr"/>
+            <a:r>
+              <a:rPr lang="en-US" altLang="ko-KR" sz="1400" dirty="0">
+                <a:ln>
+                  <a:solidFill>
+                    <a:schemeClr val="tx1">
+                      <a:alpha val="30000"/>
+                    </a:schemeClr>
+                  </a:solidFill>
+                </a:ln>
+                <a:solidFill>
+                  <a:srgbClr val="272123"/>
+                </a:solidFill>
+                <a:latin typeface="나눔고딕 ExtraBold" panose="020D0904000000000000" pitchFamily="50" charset="-127"/>
+                <a:ea typeface="나눔고딕 ExtraBold" panose="020D0904000000000000" pitchFamily="50" charset="-127"/>
+              </a:rPr>
+              <a:t>a</a:t>
+            </a:r>
+          </a:p>
+        </p:txBody>
+      </p:sp>
+      <p:sp>
+        <p:nvSpPr>
+          <p:cNvPr id="43" name="TextBox 42">
+            <a:extLst>
+              <a:ext uri="{FF2B5EF4-FFF2-40B4-BE49-F238E27FC236}">
+                <a16:creationId xmlns:a16="http://schemas.microsoft.com/office/drawing/2014/main" id="{2B6E8E84-A096-428C-9C11-91344EF254BF}"/>
+              </a:ext>
+            </a:extLst>
+          </p:cNvPr>
+          <p:cNvSpPr txBox="1"/>
+          <p:nvPr/>
+        </p:nvSpPr>
+        <p:spPr>
+          <a:xfrm>
+            <a:off x="2421901" y="642825"/>
+            <a:ext cx="737656" cy="307777"/>
+          </a:xfrm>
+          <a:prstGeom prst="rect">
+            <a:avLst/>
+          </a:prstGeom>
+          <a:noFill/>
+        </p:spPr>
+        <p:txBody>
+          <a:bodyPr wrap="square" rtlCol="0">
+            <a:spAutoFit/>
+          </a:bodyPr>
+          <a:lstStyle/>
+          <a:p>
+            <a:pPr algn="ctr"/>
+            <a:r>
+              <a:rPr lang="ko-KR" altLang="en-US" sz="1400" dirty="0">
+                <a:ln>
+                  <a:solidFill>
+                    <a:schemeClr val="tx1">
+                      <a:alpha val="30000"/>
+                    </a:schemeClr>
+                  </a:solidFill>
+                </a:ln>
+                <a:solidFill>
+                  <a:srgbClr val="272123"/>
+                </a:solidFill>
+                <a:latin typeface="나눔고딕 ExtraBold" panose="020D0904000000000000" pitchFamily="50" charset="-127"/>
+                <a:ea typeface="나눔고딕 ExtraBold" panose="020D0904000000000000" pitchFamily="50" charset="-127"/>
+              </a:rPr>
+              <a:t>오차</a:t>
+            </a:r>
+            <a:endParaRPr lang="en-US" altLang="ko-KR" sz="1400" dirty="0">
+              <a:ln>
+                <a:solidFill>
+                  <a:schemeClr val="tx1">
+                    <a:alpha val="30000"/>
+                  </a:schemeClr>
+                </a:solidFill>
+              </a:ln>
+              <a:solidFill>
+                <a:srgbClr val="272123"/>
+              </a:solidFill>
+              <a:latin typeface="나눔고딕 ExtraBold" panose="020D0904000000000000" pitchFamily="50" charset="-127"/>
+              <a:ea typeface="나눔고딕 ExtraBold" panose="020D0904000000000000" pitchFamily="50" charset="-127"/>
+            </a:endParaRPr>
+          </a:p>
+        </p:txBody>
+      </p:sp>
+      <p:cxnSp>
+        <p:nvCxnSpPr>
+          <p:cNvPr id="44" name="직선 연결선 43">
+            <a:extLst>
+              <a:ext uri="{FF2B5EF4-FFF2-40B4-BE49-F238E27FC236}">
+                <a16:creationId xmlns:a16="http://schemas.microsoft.com/office/drawing/2014/main" id="{C2A36CC8-1D68-488B-AD98-CDDDD333A4FD}"/>
+              </a:ext>
+            </a:extLst>
+          </p:cNvPr>
+          <p:cNvCxnSpPr>
+            <a:cxnSpLocks/>
+          </p:cNvCxnSpPr>
+          <p:nvPr/>
+        </p:nvCxnSpPr>
+        <p:spPr>
+          <a:xfrm>
+            <a:off x="1654565" y="3545785"/>
+            <a:ext cx="5779711" cy="2451889"/>
+          </a:xfrm>
+          <a:prstGeom prst="line">
+            <a:avLst/>
+          </a:prstGeom>
+          <a:ln w="38100">
+            <a:solidFill>
+              <a:srgbClr val="FF0000"/>
+            </a:solidFill>
+          </a:ln>
+        </p:spPr>
+        <p:style>
+          <a:lnRef idx="1">
+            <a:schemeClr val="accent1"/>
+          </a:lnRef>
+          <a:fillRef idx="0">
+            <a:schemeClr val="accent1"/>
+          </a:fillRef>
+          <a:effectRef idx="0">
+            <a:schemeClr val="accent1"/>
+          </a:effectRef>
+          <a:fontRef idx="minor">
+            <a:schemeClr val="tx1"/>
+          </a:fontRef>
+        </p:style>
+      </p:cxnSp>
+      <p:cxnSp>
+        <p:nvCxnSpPr>
+          <p:cNvPr id="45" name="직선 연결선 44">
+            <a:extLst>
+              <a:ext uri="{FF2B5EF4-FFF2-40B4-BE49-F238E27FC236}">
+                <a16:creationId xmlns:a16="http://schemas.microsoft.com/office/drawing/2014/main" id="{BE8BB2AE-D49C-4677-8173-EC5BE1F472EA}"/>
+              </a:ext>
+            </a:extLst>
+          </p:cNvPr>
+          <p:cNvCxnSpPr>
+            <a:cxnSpLocks/>
+          </p:cNvCxnSpPr>
+          <p:nvPr/>
+        </p:nvCxnSpPr>
+        <p:spPr>
+          <a:xfrm flipV="1">
+            <a:off x="1680806" y="2801976"/>
+            <a:ext cx="5608986" cy="739119"/>
+          </a:xfrm>
+          <a:prstGeom prst="line">
+            <a:avLst/>
+          </a:prstGeom>
+          <a:ln w="38100">
+            <a:solidFill>
+              <a:srgbClr val="FF0000"/>
+            </a:solidFill>
+          </a:ln>
+        </p:spPr>
+        <p:style>
+          <a:lnRef idx="1">
+            <a:schemeClr val="accent1"/>
+          </a:lnRef>
+          <a:fillRef idx="0">
+            <a:schemeClr val="accent1"/>
+          </a:fillRef>
+          <a:effectRef idx="0">
+            <a:schemeClr val="accent1"/>
+          </a:effectRef>
+          <a:fontRef idx="minor">
+            <a:schemeClr val="tx1"/>
+          </a:fontRef>
+        </p:style>
+      </p:cxnSp>
+      <p:cxnSp>
+        <p:nvCxnSpPr>
+          <p:cNvPr id="46" name="직선 연결선 45">
+            <a:extLst>
+              <a:ext uri="{FF2B5EF4-FFF2-40B4-BE49-F238E27FC236}">
+                <a16:creationId xmlns:a16="http://schemas.microsoft.com/office/drawing/2014/main" id="{5B2806AF-35DC-488B-AE73-937651BF0BEC}"/>
+              </a:ext>
+            </a:extLst>
+          </p:cNvPr>
+          <p:cNvCxnSpPr>
+            <a:cxnSpLocks/>
+          </p:cNvCxnSpPr>
+          <p:nvPr/>
+        </p:nvCxnSpPr>
+        <p:spPr>
+          <a:xfrm>
+            <a:off x="1654564" y="3550475"/>
+            <a:ext cx="2101457" cy="3046877"/>
+          </a:xfrm>
+          <a:prstGeom prst="line">
+            <a:avLst/>
+          </a:prstGeom>
+          <a:ln w="38100">
+            <a:solidFill>
+              <a:srgbClr val="FF0000"/>
+            </a:solidFill>
+          </a:ln>
+        </p:spPr>
+        <p:style>
+          <a:lnRef idx="1">
+            <a:schemeClr val="accent1"/>
+          </a:lnRef>
+          <a:fillRef idx="0">
+            <a:schemeClr val="accent1"/>
+          </a:fillRef>
+          <a:effectRef idx="0">
+            <a:schemeClr val="accent1"/>
+          </a:effectRef>
+          <a:fontRef idx="minor">
+            <a:schemeClr val="tx1"/>
+          </a:fontRef>
+        </p:style>
+      </p:cxnSp>
+    </p:spTree>
+    <p:extLst>
+      <p:ext uri="{BB962C8B-B14F-4D97-AF65-F5344CB8AC3E}">
+        <p14:creationId xmlns:p14="http://schemas.microsoft.com/office/powerpoint/2010/main" val="4174703969"/>
+      </p:ext>
+    </p:extLst>
+  </p:cSld>
+  <p:clrMapOvr>
+    <a:masterClrMapping/>
+  </p:clrMapOvr>
+  <mc:AlternateContent xmlns:mc="http://schemas.openxmlformats.org/markup-compatibility/2006" xmlns:p14="http://schemas.microsoft.com/office/powerpoint/2010/main">
+    <mc:Choice Requires="p14">
+      <p:transition spd="med" p14:dur="700">
+        <p:fade/>
+      </p:transition>
+    </mc:Choice>
+    <mc:Fallback xmlns="">
+      <p:transition spd="med">
+        <p:fade/>
+      </p:transition>
+    </mc:Fallback>
+  </mc:AlternateContent>
+</p:sld>
+</file>
+
+<file path=ppt/slides/slide32.xml><?xml version="1.0" encoding="utf-8"?>
+<p:sld xmlns:a="http://schemas.openxmlformats.org/drawingml/2006/main" xmlns:r="http://schemas.openxmlformats.org/officeDocument/2006/relationships" xmlns:p="http://schemas.openxmlformats.org/presentationml/2006/main">
+  <p:cSld>
+    <p:spTree>
+      <p:nvGrpSpPr>
+        <p:cNvPr id="1" name=""/>
+        <p:cNvGrpSpPr/>
+        <p:nvPr/>
+      </p:nvGrpSpPr>
+      <p:grpSpPr>
+        <a:xfrm>
+          <a:off x="0" y="0"/>
+          <a:ext cx="0" cy="0"/>
+          <a:chOff x="0" y="0"/>
+          <a:chExt cx="0" cy="0"/>
+        </a:xfrm>
+      </p:grpSpPr>
+      <p:cxnSp>
+        <p:nvCxnSpPr>
+          <p:cNvPr id="15" name="직선 연결선 14"/>
+          <p:cNvCxnSpPr/>
+          <p:nvPr/>
+        </p:nvCxnSpPr>
+        <p:spPr>
+          <a:xfrm>
+            <a:off x="683568" y="-371068"/>
+            <a:ext cx="0" cy="7472476"/>
+          </a:xfrm>
+          <a:prstGeom prst="line">
+            <a:avLst/>
+          </a:prstGeom>
+          <a:ln>
+            <a:solidFill>
+              <a:schemeClr val="bg1">
+                <a:lumMod val="65000"/>
+                <a:alpha val="50000"/>
+              </a:schemeClr>
+            </a:solidFill>
+          </a:ln>
+        </p:spPr>
+        <p:style>
+          <a:lnRef idx="1">
+            <a:schemeClr val="accent1"/>
+          </a:lnRef>
+          <a:fillRef idx="0">
+            <a:schemeClr val="accent1"/>
+          </a:fillRef>
+          <a:effectRef idx="0">
+            <a:schemeClr val="accent1"/>
+          </a:effectRef>
+          <a:fontRef idx="minor">
+            <a:schemeClr val="tx1"/>
+          </a:fontRef>
+        </p:style>
+      </p:cxnSp>
+      <p:cxnSp>
+        <p:nvCxnSpPr>
+          <p:cNvPr id="17" name="직선 연결선 16"/>
+          <p:cNvCxnSpPr/>
+          <p:nvPr/>
+        </p:nvCxnSpPr>
+        <p:spPr>
+          <a:xfrm flipH="1">
+            <a:off x="692540" y="548680"/>
+            <a:ext cx="9295796" cy="0"/>
+          </a:xfrm>
+          <a:prstGeom prst="line">
+            <a:avLst/>
+          </a:prstGeom>
+          <a:ln>
+            <a:solidFill>
+              <a:schemeClr val="bg1">
+                <a:lumMod val="65000"/>
+                <a:alpha val="50000"/>
+              </a:schemeClr>
+            </a:solidFill>
+          </a:ln>
+        </p:spPr>
+        <p:style>
+          <a:lnRef idx="1">
+            <a:schemeClr val="accent1"/>
+          </a:lnRef>
+          <a:fillRef idx="0">
+            <a:schemeClr val="accent1"/>
+          </a:fillRef>
+          <a:effectRef idx="0">
+            <a:schemeClr val="accent1"/>
+          </a:effectRef>
+          <a:fontRef idx="minor">
+            <a:schemeClr val="tx1"/>
+          </a:fontRef>
+        </p:style>
+      </p:cxnSp>
+      <p:sp>
+        <p:nvSpPr>
+          <p:cNvPr id="18" name="TextBox 17"/>
+          <p:cNvSpPr txBox="1"/>
+          <p:nvPr/>
+        </p:nvSpPr>
+        <p:spPr>
+          <a:xfrm>
+            <a:off x="950711" y="107253"/>
+            <a:ext cx="5472608" cy="307777"/>
+          </a:xfrm>
+          <a:prstGeom prst="rect">
+            <a:avLst/>
+          </a:prstGeom>
+          <a:noFill/>
+        </p:spPr>
+        <p:txBody>
+          <a:bodyPr wrap="square" rtlCol="0">
+            <a:spAutoFit/>
+          </a:bodyPr>
+          <a:lstStyle/>
+          <a:p>
+            <a:r>
+              <a:rPr lang="ko-KR" altLang="en-US" sz="1400" dirty="0">
+                <a:ln>
+                  <a:solidFill>
+                    <a:schemeClr val="tx1">
+                      <a:alpha val="30000"/>
+                    </a:schemeClr>
+                  </a:solidFill>
+                </a:ln>
+                <a:solidFill>
+                  <a:srgbClr val="272123"/>
+                </a:solidFill>
+                <a:latin typeface="나눔고딕 ExtraBold" panose="020D0904000000000000" pitchFamily="50" charset="-127"/>
+                <a:ea typeface="나눔고딕 ExtraBold" panose="020D0904000000000000" pitchFamily="50" charset="-127"/>
+              </a:rPr>
+              <a:t>그러면 어떻게 맞추는데</a:t>
+            </a:r>
+            <a:r>
+              <a:rPr lang="en-US" altLang="ko-KR" sz="1400" dirty="0">
+                <a:ln>
+                  <a:solidFill>
+                    <a:schemeClr val="tx1">
+                      <a:alpha val="30000"/>
+                    </a:schemeClr>
+                  </a:solidFill>
+                </a:ln>
+                <a:solidFill>
+                  <a:srgbClr val="272123"/>
+                </a:solidFill>
+                <a:latin typeface="나눔고딕 ExtraBold" panose="020D0904000000000000" pitchFamily="50" charset="-127"/>
+                <a:ea typeface="나눔고딕 ExtraBold" panose="020D0904000000000000" pitchFamily="50" charset="-127"/>
+              </a:rPr>
+              <a:t>?</a:t>
+            </a:r>
+          </a:p>
+        </p:txBody>
+      </p:sp>
+      <p:sp>
+        <p:nvSpPr>
+          <p:cNvPr id="21" name="직사각형 20"/>
+          <p:cNvSpPr/>
+          <p:nvPr/>
+        </p:nvSpPr>
+        <p:spPr>
+          <a:xfrm>
+            <a:off x="2258" y="1352525"/>
+            <a:ext cx="834325" cy="343501"/>
+          </a:xfrm>
+          <a:prstGeom prst="rect">
+            <a:avLst/>
+          </a:prstGeom>
+          <a:solidFill>
+            <a:srgbClr val="272123"/>
+          </a:solidFill>
+          <a:ln>
+            <a:noFill/>
+          </a:ln>
+        </p:spPr>
+        <p:style>
+          <a:lnRef idx="2">
+            <a:schemeClr val="accent1">
+              <a:shade val="50000"/>
+            </a:schemeClr>
+          </a:lnRef>
+          <a:fillRef idx="1">
+            <a:schemeClr val="accent1"/>
+          </a:fillRef>
+          <a:effectRef idx="0">
+            <a:schemeClr val="accent1"/>
+          </a:effectRef>
+          <a:fontRef idx="minor">
+            <a:schemeClr val="lt1"/>
+          </a:fontRef>
+        </p:style>
+        <p:txBody>
+          <a:bodyPr rtlCol="0" anchor="ctr"/>
+          <a:lstStyle/>
+          <a:p>
+            <a:pPr algn="ctr"/>
+            <a:endParaRPr lang="ko-KR" altLang="en-US" dirty="0">
+              <a:latin typeface="나눔고딕 ExtraBold" panose="020D0904000000000000" pitchFamily="50" charset="-127"/>
+              <a:ea typeface="나눔고딕 ExtraBold" panose="020D0904000000000000" pitchFamily="50" charset="-127"/>
+            </a:endParaRPr>
+          </a:p>
+        </p:txBody>
+      </p:sp>
+      <p:sp>
+        <p:nvSpPr>
+          <p:cNvPr id="9" name="직각 삼각형 8"/>
+          <p:cNvSpPr/>
+          <p:nvPr/>
+        </p:nvSpPr>
+        <p:spPr>
+          <a:xfrm rot="5400000">
+            <a:off x="714296" y="1682599"/>
+            <a:ext cx="81142" cy="108000"/>
+          </a:xfrm>
+          <a:prstGeom prst="rtTriangle">
+            <a:avLst/>
+          </a:prstGeom>
+          <a:solidFill>
+            <a:schemeClr val="tx1"/>
+          </a:solidFill>
+          <a:ln>
+            <a:solidFill>
+              <a:schemeClr val="tx1"/>
+            </a:solidFill>
+          </a:ln>
+        </p:spPr>
+        <p:style>
+          <a:lnRef idx="2">
+            <a:schemeClr val="accent1">
+              <a:shade val="50000"/>
+            </a:schemeClr>
+          </a:lnRef>
+          <a:fillRef idx="1">
+            <a:schemeClr val="accent1"/>
+          </a:fillRef>
+          <a:effectRef idx="0">
+            <a:schemeClr val="accent1"/>
+          </a:effectRef>
+          <a:fontRef idx="minor">
+            <a:schemeClr val="lt1"/>
+          </a:fontRef>
+        </p:style>
+        <p:txBody>
+          <a:bodyPr rtlCol="0" anchor="ctr"/>
+          <a:lstStyle/>
+          <a:p>
+            <a:pPr algn="ctr"/>
+            <a:endParaRPr lang="ko-KR" altLang="en-US" dirty="0">
+              <a:latin typeface="나눔고딕 ExtraBold" panose="020D0904000000000000" pitchFamily="50" charset="-127"/>
+              <a:ea typeface="나눔고딕 ExtraBold" panose="020D0904000000000000" pitchFamily="50" charset="-127"/>
+            </a:endParaRPr>
+          </a:p>
+        </p:txBody>
+      </p:sp>
+      <p:sp>
+        <p:nvSpPr>
+          <p:cNvPr id="23" name="TextBox 22"/>
+          <p:cNvSpPr txBox="1"/>
+          <p:nvPr/>
+        </p:nvSpPr>
+        <p:spPr>
+          <a:xfrm>
+            <a:off x="123549" y="882386"/>
+            <a:ext cx="541363" cy="338554"/>
+          </a:xfrm>
+          <a:prstGeom prst="rect">
+            <a:avLst/>
+          </a:prstGeom>
+          <a:noFill/>
+        </p:spPr>
+        <p:txBody>
+          <a:bodyPr wrap="square" rtlCol="0">
+            <a:spAutoFit/>
+          </a:bodyPr>
+          <a:lstStyle/>
+          <a:p>
+            <a:r>
+              <a:rPr lang="en-US" altLang="ko-KR" sz="1600" dirty="0">
+                <a:ln>
+                  <a:solidFill>
+                    <a:schemeClr val="bg1">
+                      <a:lumMod val="85000"/>
+                      <a:alpha val="30000"/>
+                    </a:schemeClr>
+                  </a:solidFill>
+                </a:ln>
+                <a:solidFill>
+                  <a:schemeClr val="bg1">
+                    <a:lumMod val="95000"/>
+                  </a:schemeClr>
+                </a:solidFill>
+                <a:latin typeface="나눔고딕 ExtraBold" panose="020D0904000000000000" pitchFamily="50" charset="-127"/>
+                <a:ea typeface="나눔고딕 ExtraBold" panose="020D0904000000000000" pitchFamily="50" charset="-127"/>
+              </a:rPr>
+              <a:t>01</a:t>
+            </a:r>
+          </a:p>
+        </p:txBody>
+      </p:sp>
+      <p:sp>
+        <p:nvSpPr>
+          <p:cNvPr id="27" name="TextBox 26"/>
+          <p:cNvSpPr txBox="1"/>
+          <p:nvPr/>
+        </p:nvSpPr>
+        <p:spPr>
+          <a:xfrm>
+            <a:off x="107504" y="1340768"/>
+            <a:ext cx="450395" cy="338554"/>
+          </a:xfrm>
+          <a:prstGeom prst="rect">
+            <a:avLst/>
+          </a:prstGeom>
+          <a:noFill/>
+        </p:spPr>
+        <p:txBody>
+          <a:bodyPr wrap="square" rtlCol="0">
+            <a:spAutoFit/>
+          </a:bodyPr>
+          <a:lstStyle/>
+          <a:p>
+            <a:r>
+              <a:rPr lang="en-US" altLang="ko-KR" sz="1600" dirty="0">
+                <a:ln>
+                  <a:solidFill>
+                    <a:schemeClr val="tx1">
+                      <a:alpha val="30000"/>
+                    </a:schemeClr>
+                  </a:solidFill>
+                </a:ln>
+                <a:solidFill>
+                  <a:schemeClr val="bg1">
+                    <a:lumMod val="85000"/>
+                  </a:schemeClr>
+                </a:solidFill>
+                <a:latin typeface="나눔고딕 ExtraBold" panose="020D0904000000000000" pitchFamily="50" charset="-127"/>
+                <a:ea typeface="나눔고딕 ExtraBold" panose="020D0904000000000000" pitchFamily="50" charset="-127"/>
+              </a:rPr>
+              <a:t>02</a:t>
+            </a:r>
+          </a:p>
+        </p:txBody>
+      </p:sp>
+      <p:sp>
+        <p:nvSpPr>
+          <p:cNvPr id="28" name="TextBox 27"/>
+          <p:cNvSpPr txBox="1"/>
+          <p:nvPr/>
+        </p:nvSpPr>
+        <p:spPr>
+          <a:xfrm>
+            <a:off x="107504" y="1819563"/>
+            <a:ext cx="450395" cy="338554"/>
+          </a:xfrm>
+          <a:prstGeom prst="rect">
+            <a:avLst/>
+          </a:prstGeom>
+          <a:noFill/>
+        </p:spPr>
+        <p:txBody>
+          <a:bodyPr wrap="square" rtlCol="0">
+            <a:spAutoFit/>
+          </a:bodyPr>
+          <a:lstStyle/>
+          <a:p>
+            <a:r>
+              <a:rPr lang="en-US" altLang="ko-KR" sz="1600" dirty="0">
+                <a:ln>
+                  <a:solidFill>
+                    <a:schemeClr val="tx1">
+                      <a:alpha val="30000"/>
+                    </a:schemeClr>
+                  </a:solidFill>
+                </a:ln>
+                <a:solidFill>
+                  <a:schemeClr val="bg1">
+                    <a:lumMod val="85000"/>
+                  </a:schemeClr>
+                </a:solidFill>
+                <a:latin typeface="나눔고딕 ExtraBold" panose="020D0904000000000000" pitchFamily="50" charset="-127"/>
+                <a:ea typeface="나눔고딕 ExtraBold" panose="020D0904000000000000" pitchFamily="50" charset="-127"/>
+              </a:rPr>
+              <a:t>03</a:t>
+            </a:r>
+          </a:p>
+        </p:txBody>
+      </p:sp>
+      <p:sp>
+        <p:nvSpPr>
+          <p:cNvPr id="29" name="TextBox 28"/>
+          <p:cNvSpPr txBox="1"/>
+          <p:nvPr/>
+        </p:nvSpPr>
+        <p:spPr>
+          <a:xfrm>
+            <a:off x="107504" y="2298358"/>
+            <a:ext cx="450395" cy="338554"/>
+          </a:xfrm>
+          <a:prstGeom prst="rect">
+            <a:avLst/>
+          </a:prstGeom>
+          <a:noFill/>
+        </p:spPr>
+        <p:txBody>
+          <a:bodyPr wrap="square" rtlCol="0">
+            <a:spAutoFit/>
+          </a:bodyPr>
+          <a:lstStyle/>
+          <a:p>
+            <a:r>
+              <a:rPr lang="en-US" altLang="ko-KR" sz="1600" dirty="0">
+                <a:ln>
+                  <a:solidFill>
+                    <a:schemeClr val="tx1">
+                      <a:alpha val="30000"/>
+                    </a:schemeClr>
+                  </a:solidFill>
+                </a:ln>
+                <a:solidFill>
+                  <a:schemeClr val="bg1">
+                    <a:lumMod val="85000"/>
+                  </a:schemeClr>
+                </a:solidFill>
+                <a:latin typeface="나눔고딕 ExtraBold" panose="020D0904000000000000" pitchFamily="50" charset="-127"/>
+                <a:ea typeface="나눔고딕 ExtraBold" panose="020D0904000000000000" pitchFamily="50" charset="-127"/>
+              </a:rPr>
+              <a:t>04</a:t>
+            </a:r>
+          </a:p>
+        </p:txBody>
+      </p:sp>
+      <p:cxnSp>
+        <p:nvCxnSpPr>
+          <p:cNvPr id="35" name="직선 연결선 34">
+            <a:extLst>
+              <a:ext uri="{FF2B5EF4-FFF2-40B4-BE49-F238E27FC236}">
+                <a16:creationId xmlns:a16="http://schemas.microsoft.com/office/drawing/2014/main" id="{E3E09DA1-E58D-480D-B98F-4C6AE987FF5A}"/>
+              </a:ext>
+            </a:extLst>
+          </p:cNvPr>
+          <p:cNvCxnSpPr>
+            <a:cxnSpLocks/>
+          </p:cNvCxnSpPr>
+          <p:nvPr/>
+        </p:nvCxnSpPr>
+        <p:spPr>
+          <a:xfrm flipV="1">
+            <a:off x="1691214" y="3130603"/>
+            <a:ext cx="0" cy="3168352"/>
+          </a:xfrm>
+          <a:prstGeom prst="line">
+            <a:avLst/>
+          </a:prstGeom>
+          <a:ln w="76200">
+            <a:solidFill>
+              <a:schemeClr val="tx1"/>
+            </a:solidFill>
+          </a:ln>
+        </p:spPr>
+        <p:style>
+          <a:lnRef idx="1">
+            <a:schemeClr val="accent1"/>
+          </a:lnRef>
+          <a:fillRef idx="0">
+            <a:schemeClr val="accent1"/>
+          </a:fillRef>
+          <a:effectRef idx="0">
+            <a:schemeClr val="accent1"/>
+          </a:effectRef>
+          <a:fontRef idx="minor">
+            <a:schemeClr val="tx1"/>
+          </a:fontRef>
+        </p:style>
+      </p:cxnSp>
+      <p:cxnSp>
+        <p:nvCxnSpPr>
+          <p:cNvPr id="36" name="직선 연결선 35">
+            <a:extLst>
+              <a:ext uri="{FF2B5EF4-FFF2-40B4-BE49-F238E27FC236}">
+                <a16:creationId xmlns:a16="http://schemas.microsoft.com/office/drawing/2014/main" id="{76D9E22C-243F-4BAB-822D-54F03D3455BE}"/>
+              </a:ext>
+            </a:extLst>
+          </p:cNvPr>
+          <p:cNvCxnSpPr>
+            <a:cxnSpLocks/>
+          </p:cNvCxnSpPr>
+          <p:nvPr/>
+        </p:nvCxnSpPr>
+        <p:spPr>
+          <a:xfrm>
+            <a:off x="1691214" y="6298955"/>
+            <a:ext cx="6264696" cy="0"/>
+          </a:xfrm>
+          <a:prstGeom prst="line">
+            <a:avLst/>
+          </a:prstGeom>
+          <a:ln w="76200">
+            <a:solidFill>
+              <a:schemeClr val="tx1"/>
+            </a:solidFill>
+          </a:ln>
+        </p:spPr>
+        <p:style>
+          <a:lnRef idx="1">
+            <a:schemeClr val="accent1"/>
+          </a:lnRef>
+          <a:fillRef idx="0">
+            <a:schemeClr val="accent1"/>
+          </a:fillRef>
+          <a:effectRef idx="0">
+            <a:schemeClr val="accent1"/>
+          </a:effectRef>
+          <a:fontRef idx="minor">
+            <a:schemeClr val="tx1"/>
+          </a:fontRef>
+        </p:style>
+      </p:cxnSp>
+      <p:sp>
+        <p:nvSpPr>
+          <p:cNvPr id="37" name="TextBox 36">
+            <a:extLst>
+              <a:ext uri="{FF2B5EF4-FFF2-40B4-BE49-F238E27FC236}">
+                <a16:creationId xmlns:a16="http://schemas.microsoft.com/office/drawing/2014/main" id="{2392EF43-275A-4FCE-8A58-171E2C7C361B}"/>
+              </a:ext>
+            </a:extLst>
+          </p:cNvPr>
+          <p:cNvSpPr txBox="1"/>
+          <p:nvPr/>
+        </p:nvSpPr>
+        <p:spPr>
+          <a:xfrm>
+            <a:off x="950711" y="3121223"/>
+            <a:ext cx="740503" cy="307777"/>
+          </a:xfrm>
+          <a:prstGeom prst="rect">
+            <a:avLst/>
+          </a:prstGeom>
+          <a:noFill/>
+        </p:spPr>
+        <p:txBody>
+          <a:bodyPr wrap="square" rtlCol="0">
+            <a:spAutoFit/>
+          </a:bodyPr>
+          <a:lstStyle/>
+          <a:p>
+            <a:pPr algn="ctr"/>
+            <a:r>
+              <a:rPr lang="ko-KR" altLang="en-US" sz="1400" dirty="0">
+                <a:ln>
+                  <a:solidFill>
+                    <a:schemeClr val="tx1">
+                      <a:alpha val="30000"/>
+                    </a:schemeClr>
+                  </a:solidFill>
+                </a:ln>
+                <a:solidFill>
+                  <a:srgbClr val="272123"/>
+                </a:solidFill>
+                <a:latin typeface="나눔고딕 ExtraBold" panose="020D0904000000000000" pitchFamily="50" charset="-127"/>
+                <a:ea typeface="나눔고딕 ExtraBold" panose="020D0904000000000000" pitchFamily="50" charset="-127"/>
+              </a:rPr>
+              <a:t>가격</a:t>
+            </a:r>
+            <a:endParaRPr lang="en-US" altLang="ko-KR" sz="1400" dirty="0">
+              <a:ln>
+                <a:solidFill>
+                  <a:schemeClr val="tx1">
+                    <a:alpha val="30000"/>
+                  </a:schemeClr>
+                </a:solidFill>
+              </a:ln>
+              <a:solidFill>
+                <a:srgbClr val="272123"/>
+              </a:solidFill>
+              <a:latin typeface="나눔고딕 ExtraBold" panose="020D0904000000000000" pitchFamily="50" charset="-127"/>
+              <a:ea typeface="나눔고딕 ExtraBold" panose="020D0904000000000000" pitchFamily="50" charset="-127"/>
+            </a:endParaRPr>
+          </a:p>
+        </p:txBody>
+      </p:sp>
+      <p:sp>
+        <p:nvSpPr>
+          <p:cNvPr id="38" name="TextBox 37">
+            <a:extLst>
+              <a:ext uri="{FF2B5EF4-FFF2-40B4-BE49-F238E27FC236}">
+                <a16:creationId xmlns:a16="http://schemas.microsoft.com/office/drawing/2014/main" id="{C0195DF3-398B-4DCD-B328-4E740395959D}"/>
+              </a:ext>
+            </a:extLst>
+          </p:cNvPr>
+          <p:cNvSpPr txBox="1"/>
+          <p:nvPr/>
+        </p:nvSpPr>
+        <p:spPr>
+          <a:xfrm>
+            <a:off x="7434276" y="6331782"/>
+            <a:ext cx="737656" cy="307777"/>
+          </a:xfrm>
+          <a:prstGeom prst="rect">
+            <a:avLst/>
+          </a:prstGeom>
+          <a:noFill/>
+        </p:spPr>
+        <p:txBody>
+          <a:bodyPr wrap="square" rtlCol="0">
+            <a:spAutoFit/>
+          </a:bodyPr>
+          <a:lstStyle/>
+          <a:p>
+            <a:pPr algn="ctr"/>
+            <a:r>
+              <a:rPr lang="ko-KR" altLang="en-US" sz="1400" dirty="0" err="1">
+                <a:ln>
+                  <a:solidFill>
+                    <a:schemeClr val="tx1">
+                      <a:alpha val="30000"/>
+                    </a:schemeClr>
+                  </a:solidFill>
+                </a:ln>
+                <a:solidFill>
+                  <a:srgbClr val="272123"/>
+                </a:solidFill>
+                <a:latin typeface="나눔고딕 ExtraBold" panose="020D0904000000000000" pitchFamily="50" charset="-127"/>
+                <a:ea typeface="나눔고딕 ExtraBold" panose="020D0904000000000000" pitchFamily="50" charset="-127"/>
+              </a:rPr>
+              <a:t>범죄율</a:t>
+            </a:r>
+            <a:endParaRPr lang="en-US" altLang="ko-KR" sz="1400" dirty="0">
+              <a:ln>
+                <a:solidFill>
+                  <a:schemeClr val="tx1">
+                    <a:alpha val="30000"/>
+                  </a:schemeClr>
+                </a:solidFill>
+              </a:ln>
+              <a:solidFill>
+                <a:srgbClr val="272123"/>
+              </a:solidFill>
+              <a:latin typeface="나눔고딕 ExtraBold" panose="020D0904000000000000" pitchFamily="50" charset="-127"/>
+              <a:ea typeface="나눔고딕 ExtraBold" panose="020D0904000000000000" pitchFamily="50" charset="-127"/>
+            </a:endParaRPr>
+          </a:p>
+        </p:txBody>
+      </p:sp>
+      <p:sp>
+        <p:nvSpPr>
+          <p:cNvPr id="22" name="TextBox 21">
+            <a:extLst>
+              <a:ext uri="{FF2B5EF4-FFF2-40B4-BE49-F238E27FC236}">
+                <a16:creationId xmlns:a16="http://schemas.microsoft.com/office/drawing/2014/main" id="{33D010A5-8B1B-4472-90F1-B5BF5FE361C9}"/>
+              </a:ext>
+            </a:extLst>
+          </p:cNvPr>
+          <p:cNvSpPr txBox="1"/>
+          <p:nvPr/>
+        </p:nvSpPr>
+        <p:spPr>
+          <a:xfrm>
+            <a:off x="6672667" y="1111984"/>
+            <a:ext cx="2283075" cy="738664"/>
+          </a:xfrm>
+          <a:prstGeom prst="rect">
+            <a:avLst/>
+          </a:prstGeom>
+          <a:noFill/>
+        </p:spPr>
+        <p:txBody>
+          <a:bodyPr wrap="square" rtlCol="0">
+            <a:spAutoFit/>
+          </a:bodyPr>
+          <a:lstStyle/>
+          <a:p>
+            <a:pPr algn="ctr"/>
+            <a:r>
+              <a:rPr lang="en-US" altLang="ko-KR" sz="1400" dirty="0">
+                <a:ln>
+                  <a:solidFill>
+                    <a:schemeClr val="tx1">
+                      <a:alpha val="30000"/>
+                    </a:schemeClr>
+                  </a:solidFill>
+                </a:ln>
+                <a:solidFill>
+                  <a:srgbClr val="272123"/>
+                </a:solidFill>
+                <a:latin typeface="나눔고딕 ExtraBold" panose="020D0904000000000000" pitchFamily="50" charset="-127"/>
+                <a:ea typeface="나눔고딕 ExtraBold" panose="020D0904000000000000" pitchFamily="50" charset="-127"/>
+              </a:rPr>
+              <a:t>Long </a:t>
+            </a:r>
+            <a:r>
+              <a:rPr lang="en-US" altLang="ko-KR" sz="1400" dirty="0" err="1">
+                <a:ln>
+                  <a:solidFill>
+                    <a:schemeClr val="tx1">
+                      <a:alpha val="30000"/>
+                    </a:schemeClr>
+                  </a:solidFill>
+                </a:ln>
+                <a:solidFill>
+                  <a:srgbClr val="272123"/>
+                </a:solidFill>
+                <a:latin typeface="나눔고딕 ExtraBold" panose="020D0904000000000000" pitchFamily="50" charset="-127"/>
+                <a:ea typeface="나눔고딕 ExtraBold" panose="020D0904000000000000" pitchFamily="50" charset="-127"/>
+              </a:rPr>
+              <a:t>housePrice</a:t>
+            </a:r>
+            <a:r>
+              <a:rPr lang="en-US" altLang="ko-KR" sz="1400" dirty="0">
+                <a:ln>
+                  <a:solidFill>
+                    <a:schemeClr val="tx1">
+                      <a:alpha val="30000"/>
+                    </a:schemeClr>
+                  </a:solidFill>
+                </a:ln>
+                <a:solidFill>
+                  <a:srgbClr val="272123"/>
+                </a:solidFill>
+                <a:latin typeface="나눔고딕 ExtraBold" panose="020D0904000000000000" pitchFamily="50" charset="-127"/>
+                <a:ea typeface="나눔고딕 ExtraBold" panose="020D0904000000000000" pitchFamily="50" charset="-127"/>
+              </a:rPr>
+              <a:t> =</a:t>
+            </a:r>
+          </a:p>
+          <a:p>
+            <a:pPr algn="ctr"/>
+            <a:r>
+              <a:rPr lang="en-US" altLang="ko-KR" sz="1400" dirty="0">
+                <a:ln>
+                  <a:solidFill>
+                    <a:schemeClr val="tx1">
+                      <a:alpha val="30000"/>
+                    </a:schemeClr>
+                  </a:solidFill>
+                </a:ln>
+                <a:solidFill>
+                  <a:srgbClr val="272123"/>
+                </a:solidFill>
+                <a:latin typeface="나눔고딕 ExtraBold" panose="020D0904000000000000" pitchFamily="50" charset="-127"/>
+                <a:ea typeface="나눔고딕 ExtraBold" panose="020D0904000000000000" pitchFamily="50" charset="-127"/>
+              </a:rPr>
+              <a:t> 100000000 (1</a:t>
+            </a:r>
+            <a:r>
+              <a:rPr lang="ko-KR" altLang="en-US" sz="1400" dirty="0">
+                <a:ln>
+                  <a:solidFill>
+                    <a:schemeClr val="tx1">
+                      <a:alpha val="30000"/>
+                    </a:schemeClr>
+                  </a:solidFill>
+                </a:ln>
+                <a:solidFill>
+                  <a:srgbClr val="272123"/>
+                </a:solidFill>
+                <a:latin typeface="나눔고딕 ExtraBold" panose="020D0904000000000000" pitchFamily="50" charset="-127"/>
+                <a:ea typeface="나눔고딕 ExtraBold" panose="020D0904000000000000" pitchFamily="50" charset="-127"/>
+              </a:rPr>
+              <a:t>억</a:t>
+            </a:r>
+            <a:r>
+              <a:rPr lang="en-US" altLang="ko-KR" sz="1400" dirty="0">
+                <a:ln>
+                  <a:solidFill>
+                    <a:schemeClr val="tx1">
+                      <a:alpha val="30000"/>
+                    </a:schemeClr>
+                  </a:solidFill>
+                </a:ln>
+                <a:solidFill>
+                  <a:srgbClr val="272123"/>
+                </a:solidFill>
+                <a:latin typeface="나눔고딕 ExtraBold" panose="020D0904000000000000" pitchFamily="50" charset="-127"/>
+                <a:ea typeface="나눔고딕 ExtraBold" panose="020D0904000000000000" pitchFamily="50" charset="-127"/>
+              </a:rPr>
+              <a:t>)</a:t>
+            </a:r>
+          </a:p>
+          <a:p>
+            <a:pPr algn="ctr"/>
+            <a:r>
+              <a:rPr lang="en-US" altLang="ko-KR" sz="1400" dirty="0">
+                <a:ln>
+                  <a:solidFill>
+                    <a:schemeClr val="tx1">
+                      <a:alpha val="30000"/>
+                    </a:schemeClr>
+                  </a:solidFill>
+                </a:ln>
+                <a:solidFill>
+                  <a:srgbClr val="272123"/>
+                </a:solidFill>
+                <a:latin typeface="나눔고딕 ExtraBold" panose="020D0904000000000000" pitchFamily="50" charset="-127"/>
+                <a:ea typeface="나눔고딕 ExtraBold" panose="020D0904000000000000" pitchFamily="50" charset="-127"/>
+              </a:rPr>
+              <a:t>- </a:t>
+            </a:r>
+            <a:r>
+              <a:rPr lang="ko-KR" altLang="en-US" sz="1400" dirty="0" err="1">
+                <a:ln>
+                  <a:solidFill>
+                    <a:schemeClr val="tx1">
+                      <a:alpha val="30000"/>
+                    </a:schemeClr>
+                  </a:solidFill>
+                </a:ln>
+                <a:solidFill>
+                  <a:srgbClr val="272123"/>
+                </a:solidFill>
+                <a:latin typeface="나눔고딕 ExtraBold" panose="020D0904000000000000" pitchFamily="50" charset="-127"/>
+                <a:ea typeface="나눔고딕 ExtraBold" panose="020D0904000000000000" pitchFamily="50" charset="-127"/>
+              </a:rPr>
+              <a:t>범죄율</a:t>
+            </a:r>
+            <a:r>
+              <a:rPr lang="ko-KR" altLang="en-US" sz="1400" dirty="0">
+                <a:ln>
+                  <a:solidFill>
+                    <a:schemeClr val="tx1">
+                      <a:alpha val="30000"/>
+                    </a:schemeClr>
+                  </a:solidFill>
+                </a:ln>
+                <a:solidFill>
+                  <a:srgbClr val="272123"/>
+                </a:solidFill>
+                <a:latin typeface="나눔고딕 ExtraBold" panose="020D0904000000000000" pitchFamily="50" charset="-127"/>
+                <a:ea typeface="나눔고딕 ExtraBold" panose="020D0904000000000000" pitchFamily="50" charset="-127"/>
+              </a:rPr>
+              <a:t> </a:t>
+            </a:r>
+            <a:r>
+              <a:rPr lang="en-US" altLang="ko-KR" sz="1400" dirty="0">
+                <a:ln>
+                  <a:solidFill>
+                    <a:schemeClr val="tx1">
+                      <a:alpha val="30000"/>
+                    </a:schemeClr>
+                  </a:solidFill>
+                </a:ln>
+                <a:solidFill>
+                  <a:srgbClr val="272123"/>
+                </a:solidFill>
+                <a:latin typeface="나눔고딕 ExtraBold" panose="020D0904000000000000" pitchFamily="50" charset="-127"/>
+                <a:ea typeface="나눔고딕 ExtraBold" panose="020D0904000000000000" pitchFamily="50" charset="-127"/>
+              </a:rPr>
+              <a:t>* </a:t>
+            </a:r>
+            <a:r>
+              <a:rPr lang="en-US" altLang="ko-KR" sz="1400" dirty="0">
+                <a:ln>
+                  <a:solidFill>
+                    <a:schemeClr val="tx1">
+                      <a:alpha val="30000"/>
+                    </a:schemeClr>
+                  </a:solidFill>
+                </a:ln>
+                <a:solidFill>
+                  <a:srgbClr val="FF0000"/>
+                </a:solidFill>
+                <a:latin typeface="나눔고딕 ExtraBold" panose="020D0904000000000000" pitchFamily="50" charset="-127"/>
+                <a:ea typeface="나눔고딕 ExtraBold" panose="020D0904000000000000" pitchFamily="50" charset="-127"/>
+              </a:rPr>
+              <a:t>2534</a:t>
+            </a:r>
+            <a:r>
+              <a:rPr lang="ko-KR" altLang="en-US" sz="1400" dirty="0">
+                <a:ln>
+                  <a:solidFill>
+                    <a:schemeClr val="tx1">
+                      <a:alpha val="30000"/>
+                    </a:schemeClr>
+                  </a:solidFill>
+                </a:ln>
+                <a:solidFill>
+                  <a:srgbClr val="FF0000"/>
+                </a:solidFill>
+                <a:latin typeface="나눔고딕 ExtraBold" panose="020D0904000000000000" pitchFamily="50" charset="-127"/>
+                <a:ea typeface="나눔고딕 ExtraBold" panose="020D0904000000000000" pitchFamily="50" charset="-127"/>
+              </a:rPr>
+              <a:t>만원</a:t>
+            </a:r>
+            <a:endParaRPr lang="en-US" altLang="ko-KR" sz="1400" dirty="0">
+              <a:ln>
+                <a:solidFill>
+                  <a:schemeClr val="tx1">
+                    <a:alpha val="30000"/>
+                  </a:schemeClr>
+                </a:solidFill>
+              </a:ln>
+              <a:solidFill>
+                <a:srgbClr val="272123"/>
+              </a:solidFill>
+              <a:latin typeface="나눔고딕 ExtraBold" panose="020D0904000000000000" pitchFamily="50" charset="-127"/>
+              <a:ea typeface="나눔고딕 ExtraBold" panose="020D0904000000000000" pitchFamily="50" charset="-127"/>
+            </a:endParaRPr>
+          </a:p>
+        </p:txBody>
+      </p:sp>
+      <p:sp>
+        <p:nvSpPr>
+          <p:cNvPr id="26" name="직사각형 25">
+            <a:extLst>
+              <a:ext uri="{FF2B5EF4-FFF2-40B4-BE49-F238E27FC236}">
+                <a16:creationId xmlns:a16="http://schemas.microsoft.com/office/drawing/2014/main" id="{B96D63B7-E393-488B-8BAC-AC31E7A9D79F}"/>
+              </a:ext>
+            </a:extLst>
+          </p:cNvPr>
+          <p:cNvSpPr/>
+          <p:nvPr/>
+        </p:nvSpPr>
+        <p:spPr>
+          <a:xfrm>
+            <a:off x="6700383" y="853558"/>
+            <a:ext cx="2336113" cy="1251566"/>
+          </a:xfrm>
+          <a:prstGeom prst="rect">
+            <a:avLst/>
+          </a:prstGeom>
+          <a:noFill/>
+          <a:ln w="76200">
+            <a:solidFill>
+              <a:schemeClr val="tx1"/>
+            </a:solidFill>
+          </a:ln>
+        </p:spPr>
+        <p:style>
+          <a:lnRef idx="2">
+            <a:schemeClr val="accent1">
+              <a:shade val="50000"/>
+            </a:schemeClr>
+          </a:lnRef>
+          <a:fillRef idx="1">
+            <a:schemeClr val="accent1"/>
+          </a:fillRef>
+          <a:effectRef idx="0">
+            <a:schemeClr val="accent1"/>
+          </a:effectRef>
+          <a:fontRef idx="minor">
+            <a:schemeClr val="lt1"/>
+          </a:fontRef>
+        </p:style>
+        <p:txBody>
+          <a:bodyPr rtlCol="0" anchor="ctr"/>
+          <a:lstStyle/>
+          <a:p>
+            <a:pPr algn="ctr"/>
+            <a:endParaRPr lang="ko-KR" altLang="en-US"/>
+          </a:p>
+        </p:txBody>
+      </p:sp>
+      <p:pic>
+        <p:nvPicPr>
+          <p:cNvPr id="11" name="그림 10">
+            <a:extLst>
+              <a:ext uri="{FF2B5EF4-FFF2-40B4-BE49-F238E27FC236}">
+                <a16:creationId xmlns:a16="http://schemas.microsoft.com/office/drawing/2014/main" id="{40906B2E-D520-471D-9B51-72D1079BDC57}"/>
+              </a:ext>
+            </a:extLst>
+          </p:cNvPr>
+          <p:cNvPicPr>
+            <a:picLocks noChangeAspect="1"/>
+          </p:cNvPicPr>
+          <p:nvPr/>
+        </p:nvPicPr>
+        <p:blipFill>
+          <a:blip r:embed="rId2"/>
+          <a:stretch>
+            <a:fillRect/>
+          </a:stretch>
+        </p:blipFill>
+        <p:spPr>
+          <a:xfrm>
+            <a:off x="2417279" y="682331"/>
+            <a:ext cx="3589314" cy="1898904"/>
+          </a:xfrm>
+          <a:prstGeom prst="rect">
+            <a:avLst/>
+          </a:prstGeom>
+        </p:spPr>
+      </p:pic>
+      <p:cxnSp>
+        <p:nvCxnSpPr>
+          <p:cNvPr id="45" name="직선 연결선 44">
+            <a:extLst>
+              <a:ext uri="{FF2B5EF4-FFF2-40B4-BE49-F238E27FC236}">
+                <a16:creationId xmlns:a16="http://schemas.microsoft.com/office/drawing/2014/main" id="{B73175DA-FCCA-47B7-8A79-6FA159C07B8A}"/>
+              </a:ext>
+            </a:extLst>
+          </p:cNvPr>
+          <p:cNvCxnSpPr>
+            <a:cxnSpLocks/>
+          </p:cNvCxnSpPr>
+          <p:nvPr/>
+        </p:nvCxnSpPr>
+        <p:spPr>
+          <a:xfrm>
+            <a:off x="1654564" y="3550475"/>
+            <a:ext cx="2101457" cy="3046877"/>
+          </a:xfrm>
+          <a:prstGeom prst="line">
+            <a:avLst/>
+          </a:prstGeom>
+          <a:ln w="38100">
+            <a:solidFill>
+              <a:srgbClr val="FF0000"/>
+            </a:solidFill>
+          </a:ln>
+        </p:spPr>
+        <p:style>
+          <a:lnRef idx="1">
+            <a:schemeClr val="accent1"/>
+          </a:lnRef>
+          <a:fillRef idx="0">
+            <a:schemeClr val="accent1"/>
+          </a:fillRef>
+          <a:effectRef idx="0">
+            <a:schemeClr val="accent1"/>
+          </a:effectRef>
+          <a:fontRef idx="minor">
+            <a:schemeClr val="tx1"/>
+          </a:fontRef>
+        </p:style>
+      </p:cxnSp>
+    </p:spTree>
+    <p:extLst>
+      <p:ext uri="{BB962C8B-B14F-4D97-AF65-F5344CB8AC3E}">
+        <p14:creationId xmlns:p14="http://schemas.microsoft.com/office/powerpoint/2010/main" val="3602248707"/>
+      </p:ext>
+    </p:extLst>
+  </p:cSld>
+  <p:clrMapOvr>
+    <a:masterClrMapping/>
+  </p:clrMapOvr>
+  <mc:AlternateContent xmlns:mc="http://schemas.openxmlformats.org/markup-compatibility/2006" xmlns:p14="http://schemas.microsoft.com/office/powerpoint/2010/main">
+    <mc:Choice Requires="p14">
+      <p:transition spd="med" p14:dur="700">
+        <p:fade/>
+      </p:transition>
+    </mc:Choice>
+    <mc:Fallback xmlns="">
+      <p:transition spd="med">
+        <p:fade/>
+      </p:transition>
+    </mc:Fallback>
+  </mc:AlternateContent>
+</p:sld>
+</file>
+
+<file path=ppt/slides/slide33.xml><?xml version="1.0" encoding="utf-8"?>
+<p:sld xmlns:a="http://schemas.openxmlformats.org/drawingml/2006/main" xmlns:r="http://schemas.openxmlformats.org/officeDocument/2006/relationships" xmlns:p="http://schemas.openxmlformats.org/presentationml/2006/main">
+  <p:cSld>
+    <p:spTree>
+      <p:nvGrpSpPr>
+        <p:cNvPr id="1" name=""/>
+        <p:cNvGrpSpPr/>
+        <p:nvPr/>
+      </p:nvGrpSpPr>
+      <p:grpSpPr>
+        <a:xfrm>
+          <a:off x="0" y="0"/>
+          <a:ext cx="0" cy="0"/>
+          <a:chOff x="0" y="0"/>
+          <a:chExt cx="0" cy="0"/>
+        </a:xfrm>
+      </p:grpSpPr>
+      <p:cxnSp>
+        <p:nvCxnSpPr>
+          <p:cNvPr id="15" name="직선 연결선 14"/>
+          <p:cNvCxnSpPr/>
+          <p:nvPr/>
+        </p:nvCxnSpPr>
+        <p:spPr>
+          <a:xfrm>
+            <a:off x="683568" y="-371068"/>
+            <a:ext cx="0" cy="7472476"/>
+          </a:xfrm>
+          <a:prstGeom prst="line">
+            <a:avLst/>
+          </a:prstGeom>
+          <a:ln>
+            <a:solidFill>
+              <a:schemeClr val="bg1">
+                <a:lumMod val="65000"/>
+                <a:alpha val="50000"/>
+              </a:schemeClr>
+            </a:solidFill>
+          </a:ln>
+        </p:spPr>
+        <p:style>
+          <a:lnRef idx="1">
+            <a:schemeClr val="accent1"/>
+          </a:lnRef>
+          <a:fillRef idx="0">
+            <a:schemeClr val="accent1"/>
+          </a:fillRef>
+          <a:effectRef idx="0">
+            <a:schemeClr val="accent1"/>
+          </a:effectRef>
+          <a:fontRef idx="minor">
+            <a:schemeClr val="tx1"/>
+          </a:fontRef>
+        </p:style>
+      </p:cxnSp>
+      <p:cxnSp>
+        <p:nvCxnSpPr>
+          <p:cNvPr id="17" name="직선 연결선 16"/>
+          <p:cNvCxnSpPr/>
+          <p:nvPr/>
+        </p:nvCxnSpPr>
+        <p:spPr>
+          <a:xfrm flipH="1">
+            <a:off x="692540" y="548680"/>
+            <a:ext cx="9295796" cy="0"/>
+          </a:xfrm>
+          <a:prstGeom prst="line">
+            <a:avLst/>
+          </a:prstGeom>
+          <a:ln>
+            <a:solidFill>
+              <a:schemeClr val="bg1">
+                <a:lumMod val="65000"/>
+                <a:alpha val="50000"/>
+              </a:schemeClr>
+            </a:solidFill>
+          </a:ln>
+        </p:spPr>
+        <p:style>
+          <a:lnRef idx="1">
+            <a:schemeClr val="accent1"/>
+          </a:lnRef>
+          <a:fillRef idx="0">
+            <a:schemeClr val="accent1"/>
+          </a:fillRef>
+          <a:effectRef idx="0">
+            <a:schemeClr val="accent1"/>
+          </a:effectRef>
+          <a:fontRef idx="minor">
+            <a:schemeClr val="tx1"/>
+          </a:fontRef>
+        </p:style>
+      </p:cxnSp>
+      <p:sp>
+        <p:nvSpPr>
+          <p:cNvPr id="18" name="TextBox 17"/>
+          <p:cNvSpPr txBox="1"/>
+          <p:nvPr/>
+        </p:nvSpPr>
+        <p:spPr>
+          <a:xfrm>
+            <a:off x="950711" y="107253"/>
+            <a:ext cx="5472608" cy="307777"/>
+          </a:xfrm>
+          <a:prstGeom prst="rect">
+            <a:avLst/>
+          </a:prstGeom>
+          <a:noFill/>
+        </p:spPr>
+        <p:txBody>
+          <a:bodyPr wrap="square" rtlCol="0">
+            <a:spAutoFit/>
+          </a:bodyPr>
+          <a:lstStyle/>
+          <a:p>
+            <a:r>
+              <a:rPr lang="ko-KR" altLang="en-US" sz="1400" dirty="0">
+                <a:ln>
+                  <a:solidFill>
+                    <a:schemeClr val="tx1">
+                      <a:alpha val="30000"/>
+                    </a:schemeClr>
+                  </a:solidFill>
+                </a:ln>
+                <a:solidFill>
+                  <a:srgbClr val="272123"/>
+                </a:solidFill>
+                <a:latin typeface="나눔고딕 ExtraBold" panose="020D0904000000000000" pitchFamily="50" charset="-127"/>
+                <a:ea typeface="나눔고딕 ExtraBold" panose="020D0904000000000000" pitchFamily="50" charset="-127"/>
+              </a:rPr>
+              <a:t>그러면 어떻게 맞추는데</a:t>
+            </a:r>
+            <a:r>
+              <a:rPr lang="en-US" altLang="ko-KR" sz="1400" dirty="0">
+                <a:ln>
+                  <a:solidFill>
+                    <a:schemeClr val="tx1">
+                      <a:alpha val="30000"/>
+                    </a:schemeClr>
+                  </a:solidFill>
+                </a:ln>
+                <a:solidFill>
+                  <a:srgbClr val="272123"/>
+                </a:solidFill>
+                <a:latin typeface="나눔고딕 ExtraBold" panose="020D0904000000000000" pitchFamily="50" charset="-127"/>
+                <a:ea typeface="나눔고딕 ExtraBold" panose="020D0904000000000000" pitchFamily="50" charset="-127"/>
+              </a:rPr>
+              <a:t>?</a:t>
+            </a:r>
+          </a:p>
+        </p:txBody>
+      </p:sp>
+      <p:sp>
+        <p:nvSpPr>
+          <p:cNvPr id="21" name="직사각형 20"/>
+          <p:cNvSpPr/>
+          <p:nvPr/>
+        </p:nvSpPr>
+        <p:spPr>
+          <a:xfrm>
+            <a:off x="2258" y="1352525"/>
+            <a:ext cx="834325" cy="343501"/>
+          </a:xfrm>
+          <a:prstGeom prst="rect">
+            <a:avLst/>
+          </a:prstGeom>
+          <a:solidFill>
+            <a:srgbClr val="272123"/>
+          </a:solidFill>
+          <a:ln>
+            <a:noFill/>
+          </a:ln>
+        </p:spPr>
+        <p:style>
+          <a:lnRef idx="2">
+            <a:schemeClr val="accent1">
+              <a:shade val="50000"/>
+            </a:schemeClr>
+          </a:lnRef>
+          <a:fillRef idx="1">
+            <a:schemeClr val="accent1"/>
+          </a:fillRef>
+          <a:effectRef idx="0">
+            <a:schemeClr val="accent1"/>
+          </a:effectRef>
+          <a:fontRef idx="minor">
+            <a:schemeClr val="lt1"/>
+          </a:fontRef>
+        </p:style>
+        <p:txBody>
+          <a:bodyPr rtlCol="0" anchor="ctr"/>
+          <a:lstStyle/>
+          <a:p>
+            <a:pPr algn="ctr"/>
+            <a:endParaRPr lang="ko-KR" altLang="en-US" dirty="0">
+              <a:latin typeface="나눔고딕 ExtraBold" panose="020D0904000000000000" pitchFamily="50" charset="-127"/>
+              <a:ea typeface="나눔고딕 ExtraBold" panose="020D0904000000000000" pitchFamily="50" charset="-127"/>
+            </a:endParaRPr>
+          </a:p>
+        </p:txBody>
+      </p:sp>
+      <p:sp>
+        <p:nvSpPr>
+          <p:cNvPr id="9" name="직각 삼각형 8"/>
+          <p:cNvSpPr/>
+          <p:nvPr/>
+        </p:nvSpPr>
+        <p:spPr>
+          <a:xfrm rot="5400000">
+            <a:off x="714296" y="1682599"/>
+            <a:ext cx="81142" cy="108000"/>
+          </a:xfrm>
+          <a:prstGeom prst="rtTriangle">
+            <a:avLst/>
+          </a:prstGeom>
+          <a:solidFill>
+            <a:schemeClr val="tx1"/>
+          </a:solidFill>
+          <a:ln>
+            <a:solidFill>
+              <a:schemeClr val="tx1"/>
+            </a:solidFill>
+          </a:ln>
+        </p:spPr>
+        <p:style>
+          <a:lnRef idx="2">
+            <a:schemeClr val="accent1">
+              <a:shade val="50000"/>
+            </a:schemeClr>
+          </a:lnRef>
+          <a:fillRef idx="1">
+            <a:schemeClr val="accent1"/>
+          </a:fillRef>
+          <a:effectRef idx="0">
+            <a:schemeClr val="accent1"/>
+          </a:effectRef>
+          <a:fontRef idx="minor">
+            <a:schemeClr val="lt1"/>
+          </a:fontRef>
+        </p:style>
+        <p:txBody>
+          <a:bodyPr rtlCol="0" anchor="ctr"/>
+          <a:lstStyle/>
+          <a:p>
+            <a:pPr algn="ctr"/>
+            <a:endParaRPr lang="ko-KR" altLang="en-US" dirty="0">
+              <a:latin typeface="나눔고딕 ExtraBold" panose="020D0904000000000000" pitchFamily="50" charset="-127"/>
+              <a:ea typeface="나눔고딕 ExtraBold" panose="020D0904000000000000" pitchFamily="50" charset="-127"/>
+            </a:endParaRPr>
+          </a:p>
+        </p:txBody>
+      </p:sp>
+      <p:sp>
+        <p:nvSpPr>
+          <p:cNvPr id="23" name="TextBox 22"/>
+          <p:cNvSpPr txBox="1"/>
+          <p:nvPr/>
+        </p:nvSpPr>
+        <p:spPr>
+          <a:xfrm>
+            <a:off x="123549" y="882386"/>
+            <a:ext cx="541363" cy="338554"/>
+          </a:xfrm>
+          <a:prstGeom prst="rect">
+            <a:avLst/>
+          </a:prstGeom>
+          <a:noFill/>
+        </p:spPr>
+        <p:txBody>
+          <a:bodyPr wrap="square" rtlCol="0">
+            <a:spAutoFit/>
+          </a:bodyPr>
+          <a:lstStyle/>
+          <a:p>
+            <a:r>
+              <a:rPr lang="en-US" altLang="ko-KR" sz="1600" dirty="0">
+                <a:ln>
+                  <a:solidFill>
+                    <a:schemeClr val="bg1">
+                      <a:lumMod val="85000"/>
+                      <a:alpha val="30000"/>
+                    </a:schemeClr>
+                  </a:solidFill>
+                </a:ln>
+                <a:solidFill>
+                  <a:schemeClr val="bg1">
+                    <a:lumMod val="95000"/>
+                  </a:schemeClr>
+                </a:solidFill>
+                <a:latin typeface="나눔고딕 ExtraBold" panose="020D0904000000000000" pitchFamily="50" charset="-127"/>
+                <a:ea typeface="나눔고딕 ExtraBold" panose="020D0904000000000000" pitchFamily="50" charset="-127"/>
+              </a:rPr>
+              <a:t>01</a:t>
+            </a:r>
+          </a:p>
+        </p:txBody>
+      </p:sp>
+      <p:sp>
+        <p:nvSpPr>
+          <p:cNvPr id="27" name="TextBox 26"/>
+          <p:cNvSpPr txBox="1"/>
+          <p:nvPr/>
+        </p:nvSpPr>
+        <p:spPr>
+          <a:xfrm>
+            <a:off x="107504" y="1340768"/>
+            <a:ext cx="450395" cy="338554"/>
+          </a:xfrm>
+          <a:prstGeom prst="rect">
+            <a:avLst/>
+          </a:prstGeom>
+          <a:noFill/>
+        </p:spPr>
+        <p:txBody>
+          <a:bodyPr wrap="square" rtlCol="0">
+            <a:spAutoFit/>
+          </a:bodyPr>
+          <a:lstStyle/>
+          <a:p>
+            <a:r>
+              <a:rPr lang="en-US" altLang="ko-KR" sz="1600" dirty="0">
+                <a:ln>
+                  <a:solidFill>
+                    <a:schemeClr val="tx1">
+                      <a:alpha val="30000"/>
+                    </a:schemeClr>
+                  </a:solidFill>
+                </a:ln>
+                <a:solidFill>
+                  <a:schemeClr val="bg1">
+                    <a:lumMod val="85000"/>
+                  </a:schemeClr>
+                </a:solidFill>
+                <a:latin typeface="나눔고딕 ExtraBold" panose="020D0904000000000000" pitchFamily="50" charset="-127"/>
+                <a:ea typeface="나눔고딕 ExtraBold" panose="020D0904000000000000" pitchFamily="50" charset="-127"/>
+              </a:rPr>
+              <a:t>02</a:t>
+            </a:r>
+          </a:p>
+        </p:txBody>
+      </p:sp>
+      <p:sp>
+        <p:nvSpPr>
+          <p:cNvPr id="28" name="TextBox 27"/>
+          <p:cNvSpPr txBox="1"/>
+          <p:nvPr/>
+        </p:nvSpPr>
+        <p:spPr>
+          <a:xfrm>
+            <a:off x="107504" y="1819563"/>
+            <a:ext cx="450395" cy="338554"/>
+          </a:xfrm>
+          <a:prstGeom prst="rect">
+            <a:avLst/>
+          </a:prstGeom>
+          <a:noFill/>
+        </p:spPr>
+        <p:txBody>
+          <a:bodyPr wrap="square" rtlCol="0">
+            <a:spAutoFit/>
+          </a:bodyPr>
+          <a:lstStyle/>
+          <a:p>
+            <a:r>
+              <a:rPr lang="en-US" altLang="ko-KR" sz="1600" dirty="0">
+                <a:ln>
+                  <a:solidFill>
+                    <a:schemeClr val="tx1">
+                      <a:alpha val="30000"/>
+                    </a:schemeClr>
+                  </a:solidFill>
+                </a:ln>
+                <a:solidFill>
+                  <a:schemeClr val="bg1">
+                    <a:lumMod val="85000"/>
+                  </a:schemeClr>
+                </a:solidFill>
+                <a:latin typeface="나눔고딕 ExtraBold" panose="020D0904000000000000" pitchFamily="50" charset="-127"/>
+                <a:ea typeface="나눔고딕 ExtraBold" panose="020D0904000000000000" pitchFamily="50" charset="-127"/>
+              </a:rPr>
+              <a:t>03</a:t>
+            </a:r>
+          </a:p>
+        </p:txBody>
+      </p:sp>
+      <p:sp>
+        <p:nvSpPr>
+          <p:cNvPr id="29" name="TextBox 28"/>
+          <p:cNvSpPr txBox="1"/>
+          <p:nvPr/>
+        </p:nvSpPr>
+        <p:spPr>
+          <a:xfrm>
+            <a:off x="107504" y="2298358"/>
+            <a:ext cx="450395" cy="338554"/>
+          </a:xfrm>
+          <a:prstGeom prst="rect">
+            <a:avLst/>
+          </a:prstGeom>
+          <a:noFill/>
+        </p:spPr>
+        <p:txBody>
+          <a:bodyPr wrap="square" rtlCol="0">
+            <a:spAutoFit/>
+          </a:bodyPr>
+          <a:lstStyle/>
+          <a:p>
+            <a:r>
+              <a:rPr lang="en-US" altLang="ko-KR" sz="1600" dirty="0">
+                <a:ln>
+                  <a:solidFill>
+                    <a:schemeClr val="tx1">
+                      <a:alpha val="30000"/>
+                    </a:schemeClr>
+                  </a:solidFill>
+                </a:ln>
+                <a:solidFill>
+                  <a:schemeClr val="bg1">
+                    <a:lumMod val="85000"/>
+                  </a:schemeClr>
+                </a:solidFill>
+                <a:latin typeface="나눔고딕 ExtraBold" panose="020D0904000000000000" pitchFamily="50" charset="-127"/>
+                <a:ea typeface="나눔고딕 ExtraBold" panose="020D0904000000000000" pitchFamily="50" charset="-127"/>
+              </a:rPr>
+              <a:t>04</a:t>
+            </a:r>
+          </a:p>
+        </p:txBody>
+      </p:sp>
       <p:sp>
         <p:nvSpPr>
           <p:cNvPr id="25" name="TextBox 24">
@@ -33841,7 +35959,7 @@
 </p:sld>
 </file>
 
-<file path=ppt/slides/slide32.xml><?xml version="1.0" encoding="utf-8"?>
+<file path=ppt/slides/slide34.xml><?xml version="1.0" encoding="utf-8"?>
 <p:sld xmlns:a="http://schemas.openxmlformats.org/drawingml/2006/main" xmlns:r="http://schemas.openxmlformats.org/officeDocument/2006/relationships" xmlns:p="http://schemas.openxmlformats.org/presentationml/2006/main">
   <p:cSld>
     <p:bg>
